--- a/SELECTED _2.pptx
+++ b/SELECTED _2.pptx
@@ -11,11 +11,12 @@
     <p:sldId id="260" r:id="rId5"/>
     <p:sldId id="266" r:id="rId6"/>
     <p:sldId id="268" r:id="rId7"/>
-    <p:sldId id="270" r:id="rId8"/>
-    <p:sldId id="274" r:id="rId9"/>
+    <p:sldId id="274" r:id="rId8"/>
+    <p:sldId id="270" r:id="rId9"/>
     <p:sldId id="271" r:id="rId10"/>
     <p:sldId id="272" r:id="rId11"/>
     <p:sldId id="273" r:id="rId12"/>
+    <p:sldId id="312" r:id="rId13"/>
   </p:sldIdLst>
   <p:sldSz cx="12192000" cy="6858000"/>
   <p:notesSz cx="6858000" cy="9144000"/>
@@ -3270,7 +3271,7 @@
           <a:p>
             <a:fld id="{3CADBD16-5BFB-4D9F-9646-C75D1B53BBB6}" type="datetimeFigureOut">
               <a:rPr lang="en-US" smtClean="0"/>
-              <a:t>4/28/2023</a:t>
+              <a:t>5/5/2023</a:t>
             </a:fld>
             <a:endParaRPr lang="en-US"/>
           </a:p>
@@ -3511,7 +3512,7 @@
           <a:p>
             <a:fld id="{3CADBD16-5BFB-4D9F-9646-C75D1B53BBB6}" type="datetimeFigureOut">
               <a:rPr lang="en-US" smtClean="0"/>
-              <a:t>4/28/2023</a:t>
+              <a:t>5/5/2023</a:t>
             </a:fld>
             <a:endParaRPr lang="en-US"/>
           </a:p>
@@ -3719,7 +3720,7 @@
           <a:p>
             <a:fld id="{3CADBD16-5BFB-4D9F-9646-C75D1B53BBB6}" type="datetimeFigureOut">
               <a:rPr lang="en-US" smtClean="0"/>
-              <a:t>4/28/2023</a:t>
+              <a:t>5/5/2023</a:t>
             </a:fld>
             <a:endParaRPr lang="en-US"/>
           </a:p>
@@ -3783,6 +3784,1286 @@
     <p:extLst>
       <p:ext uri="{BB962C8B-B14F-4D97-AF65-F5344CB8AC3E}">
         <p14:creationId xmlns:p14="http://schemas.microsoft.com/office/powerpoint/2010/main" val="276320115"/>
+      </p:ext>
+    </p:extLst>
+  </p:cSld>
+  <p:clrMapOvr>
+    <a:masterClrMapping/>
+  </p:clrMapOvr>
+</p:sldLayout>
+</file>
+
+<file path=ppt/slideLayouts/slideLayout12.xml><?xml version="1.0" encoding="utf-8"?>
+<p:sldLayout xmlns:a="http://schemas.openxmlformats.org/drawingml/2006/main" xmlns:r="http://schemas.openxmlformats.org/officeDocument/2006/relationships" xmlns:p="http://schemas.openxmlformats.org/presentationml/2006/main" userDrawn="1">
+  <p:cSld name="1_Title Only">
+    <p:bg>
+      <p:bgPr>
+        <a:gradFill>
+          <a:gsLst>
+            <a:gs pos="100000">
+              <a:schemeClr val="accent4"/>
+            </a:gs>
+            <a:gs pos="0">
+              <a:schemeClr val="accent2"/>
+            </a:gs>
+          </a:gsLst>
+          <a:lin ang="8100000" scaled="1"/>
+        </a:gradFill>
+        <a:effectLst/>
+      </p:bgPr>
+    </p:bg>
+    <p:spTree>
+      <p:nvGrpSpPr>
+        <p:cNvPr id="1" name=""/>
+        <p:cNvGrpSpPr/>
+        <p:nvPr/>
+      </p:nvGrpSpPr>
+      <p:grpSpPr>
+        <a:xfrm>
+          <a:off x="0" y="0"/>
+          <a:ext cx="0" cy="0"/>
+          <a:chOff x="0" y="0"/>
+          <a:chExt cx="0" cy="0"/>
+        </a:xfrm>
+      </p:grpSpPr>
+      <p:sp>
+        <p:nvSpPr>
+          <p:cNvPr id="33" name="Picture Placeholder 32">
+            <a:extLst>
+              <a:ext uri="{FF2B5EF4-FFF2-40B4-BE49-F238E27FC236}">
+                <a16:creationId xmlns:a16="http://schemas.microsoft.com/office/drawing/2014/main" id="{3186EA6A-5CD5-4DF7-9C8A-EDFAF28A80D9}"/>
+              </a:ext>
+            </a:extLst>
+          </p:cNvPr>
+          <p:cNvSpPr>
+            <a:spLocks noGrp="1"/>
+          </p:cNvSpPr>
+          <p:nvPr>
+            <p:ph type="pic" sz="quarter" idx="14"/>
+          </p:nvPr>
+        </p:nvSpPr>
+        <p:spPr>
+          <a:xfrm>
+            <a:off x="1777111" y="407499"/>
+            <a:ext cx="1952279" cy="1952279"/>
+          </a:xfrm>
+          <a:custGeom>
+            <a:avLst/>
+            <a:gdLst>
+              <a:gd name="connsiteX0" fmla="*/ 976140 w 1952279"/>
+              <a:gd name="connsiteY0" fmla="*/ 0 h 1952279"/>
+              <a:gd name="connsiteX1" fmla="*/ 1952279 w 1952279"/>
+              <a:gd name="connsiteY1" fmla="*/ 976140 h 1952279"/>
+              <a:gd name="connsiteX2" fmla="*/ 976140 w 1952279"/>
+              <a:gd name="connsiteY2" fmla="*/ 1952279 h 1952279"/>
+              <a:gd name="connsiteX3" fmla="*/ 0 w 1952279"/>
+              <a:gd name="connsiteY3" fmla="*/ 976140 h 1952279"/>
+              <a:gd name="connsiteX4" fmla="*/ 976140 w 1952279"/>
+              <a:gd name="connsiteY4" fmla="*/ 0 h 1952279"/>
+            </a:gdLst>
+            <a:ahLst/>
+            <a:cxnLst>
+              <a:cxn ang="0">
+                <a:pos x="connsiteX0" y="connsiteY0"/>
+              </a:cxn>
+              <a:cxn ang="0">
+                <a:pos x="connsiteX1" y="connsiteY1"/>
+              </a:cxn>
+              <a:cxn ang="0">
+                <a:pos x="connsiteX2" y="connsiteY2"/>
+              </a:cxn>
+              <a:cxn ang="0">
+                <a:pos x="connsiteX3" y="connsiteY3"/>
+              </a:cxn>
+              <a:cxn ang="0">
+                <a:pos x="connsiteX4" y="connsiteY4"/>
+              </a:cxn>
+            </a:cxnLst>
+            <a:rect l="l" t="t" r="r" b="b"/>
+            <a:pathLst>
+              <a:path w="1952279" h="1952279">
+                <a:moveTo>
+                  <a:pt x="976140" y="0"/>
+                </a:moveTo>
+                <a:cubicBezTo>
+                  <a:pt x="1515247" y="0"/>
+                  <a:pt x="1952279" y="437033"/>
+                  <a:pt x="1952279" y="976140"/>
+                </a:cubicBezTo>
+                <a:cubicBezTo>
+                  <a:pt x="1952279" y="1515246"/>
+                  <a:pt x="1515247" y="1952279"/>
+                  <a:pt x="976140" y="1952279"/>
+                </a:cubicBezTo>
+                <a:cubicBezTo>
+                  <a:pt x="437033" y="1952279"/>
+                  <a:pt x="0" y="1515246"/>
+                  <a:pt x="0" y="976140"/>
+                </a:cubicBezTo>
+                <a:cubicBezTo>
+                  <a:pt x="0" y="437033"/>
+                  <a:pt x="437033" y="0"/>
+                  <a:pt x="976140" y="0"/>
+                </a:cubicBezTo>
+                <a:close/>
+              </a:path>
+            </a:pathLst>
+          </a:custGeom>
+        </p:spPr>
+        <p:txBody>
+          <a:bodyPr wrap="square" anchor="ctr">
+            <a:noAutofit/>
+          </a:bodyPr>
+          <a:lstStyle>
+            <a:lvl1pPr algn="ctr">
+              <a:buNone/>
+              <a:defRPr sz="1800">
+                <a:solidFill>
+                  <a:schemeClr val="bg1"/>
+                </a:solidFill>
+              </a:defRPr>
+            </a:lvl1pPr>
+          </a:lstStyle>
+          <a:p>
+            <a:r>
+              <a:rPr lang="en-US"/>
+              <a:t>Click icon to add picture</a:t>
+            </a:r>
+            <a:endParaRPr lang="en-US" dirty="0"/>
+          </a:p>
+        </p:txBody>
+      </p:sp>
+      <p:sp>
+        <p:nvSpPr>
+          <p:cNvPr id="32" name="Picture Placeholder 31">
+            <a:extLst>
+              <a:ext uri="{FF2B5EF4-FFF2-40B4-BE49-F238E27FC236}">
+                <a16:creationId xmlns:a16="http://schemas.microsoft.com/office/drawing/2014/main" id="{83D5117F-F235-498D-99A5-9DE2D665576C}"/>
+              </a:ext>
+            </a:extLst>
+          </p:cNvPr>
+          <p:cNvSpPr>
+            <a:spLocks noGrp="1"/>
+          </p:cNvSpPr>
+          <p:nvPr>
+            <p:ph type="pic" sz="quarter" idx="15"/>
+          </p:nvPr>
+        </p:nvSpPr>
+        <p:spPr>
+          <a:xfrm>
+            <a:off x="3528345" y="1972581"/>
+            <a:ext cx="2290065" cy="2273502"/>
+          </a:xfrm>
+          <a:custGeom>
+            <a:avLst/>
+            <a:gdLst>
+              <a:gd name="connsiteX0" fmla="*/ 1145032 w 2290065"/>
+              <a:gd name="connsiteY0" fmla="*/ 0 h 2273502"/>
+              <a:gd name="connsiteX1" fmla="*/ 2290065 w 2290065"/>
+              <a:gd name="connsiteY1" fmla="*/ 1145033 h 2273502"/>
+              <a:gd name="connsiteX2" fmla="*/ 1375797 w 2290065"/>
+              <a:gd name="connsiteY2" fmla="*/ 2266803 h 2273502"/>
+              <a:gd name="connsiteX3" fmla="*/ 1331903 w 2290065"/>
+              <a:gd name="connsiteY3" fmla="*/ 2273502 h 2273502"/>
+              <a:gd name="connsiteX4" fmla="*/ 958162 w 2290065"/>
+              <a:gd name="connsiteY4" fmla="*/ 2273502 h 2273502"/>
+              <a:gd name="connsiteX5" fmla="*/ 914268 w 2290065"/>
+              <a:gd name="connsiteY5" fmla="*/ 2266803 h 2273502"/>
+              <a:gd name="connsiteX6" fmla="*/ 5911 w 2290065"/>
+              <a:gd name="connsiteY6" fmla="*/ 1262106 h 2273502"/>
+              <a:gd name="connsiteX7" fmla="*/ 0 w 2290065"/>
+              <a:gd name="connsiteY7" fmla="*/ 1145053 h 2273502"/>
+              <a:gd name="connsiteX8" fmla="*/ 0 w 2290065"/>
+              <a:gd name="connsiteY8" fmla="*/ 1145014 h 2273502"/>
+              <a:gd name="connsiteX9" fmla="*/ 5911 w 2290065"/>
+              <a:gd name="connsiteY9" fmla="*/ 1027960 h 2273502"/>
+              <a:gd name="connsiteX10" fmla="*/ 1145032 w 2290065"/>
+              <a:gd name="connsiteY10" fmla="*/ 0 h 2273502"/>
+            </a:gdLst>
+            <a:ahLst/>
+            <a:cxnLst>
+              <a:cxn ang="0">
+                <a:pos x="connsiteX0" y="connsiteY0"/>
+              </a:cxn>
+              <a:cxn ang="0">
+                <a:pos x="connsiteX1" y="connsiteY1"/>
+              </a:cxn>
+              <a:cxn ang="0">
+                <a:pos x="connsiteX2" y="connsiteY2"/>
+              </a:cxn>
+              <a:cxn ang="0">
+                <a:pos x="connsiteX3" y="connsiteY3"/>
+              </a:cxn>
+              <a:cxn ang="0">
+                <a:pos x="connsiteX4" y="connsiteY4"/>
+              </a:cxn>
+              <a:cxn ang="0">
+                <a:pos x="connsiteX5" y="connsiteY5"/>
+              </a:cxn>
+              <a:cxn ang="0">
+                <a:pos x="connsiteX6" y="connsiteY6"/>
+              </a:cxn>
+              <a:cxn ang="0">
+                <a:pos x="connsiteX7" y="connsiteY7"/>
+              </a:cxn>
+              <a:cxn ang="0">
+                <a:pos x="connsiteX8" y="connsiteY8"/>
+              </a:cxn>
+              <a:cxn ang="0">
+                <a:pos x="connsiteX9" y="connsiteY9"/>
+              </a:cxn>
+              <a:cxn ang="0">
+                <a:pos x="connsiteX10" y="connsiteY10"/>
+              </a:cxn>
+            </a:cxnLst>
+            <a:rect l="l" t="t" r="r" b="b"/>
+            <a:pathLst>
+              <a:path w="2290065" h="2273502">
+                <a:moveTo>
+                  <a:pt x="1145032" y="0"/>
+                </a:moveTo>
+                <a:cubicBezTo>
+                  <a:pt x="1777417" y="0"/>
+                  <a:pt x="2290065" y="512649"/>
+                  <a:pt x="2290065" y="1145033"/>
+                </a:cubicBezTo>
+                <a:cubicBezTo>
+                  <a:pt x="2290065" y="1698370"/>
+                  <a:pt x="1897569" y="2160033"/>
+                  <a:pt x="1375797" y="2266803"/>
+                </a:cubicBezTo>
+                <a:lnTo>
+                  <a:pt x="1331903" y="2273502"/>
+                </a:lnTo>
+                <a:lnTo>
+                  <a:pt x="958162" y="2273502"/>
+                </a:lnTo>
+                <a:lnTo>
+                  <a:pt x="914268" y="2266803"/>
+                </a:lnTo>
+                <a:cubicBezTo>
+                  <a:pt x="429765" y="2167660"/>
+                  <a:pt x="56730" y="1762511"/>
+                  <a:pt x="5911" y="1262106"/>
+                </a:cubicBezTo>
+                <a:lnTo>
+                  <a:pt x="0" y="1145053"/>
+                </a:lnTo>
+                <a:lnTo>
+                  <a:pt x="0" y="1145014"/>
+                </a:lnTo>
+                <a:lnTo>
+                  <a:pt x="5911" y="1027960"/>
+                </a:lnTo>
+                <a:cubicBezTo>
+                  <a:pt x="64548" y="450571"/>
+                  <a:pt x="552172" y="0"/>
+                  <a:pt x="1145032" y="0"/>
+                </a:cubicBezTo>
+                <a:close/>
+              </a:path>
+            </a:pathLst>
+          </a:custGeom>
+        </p:spPr>
+        <p:txBody>
+          <a:bodyPr wrap="square" anchor="ctr">
+            <a:noAutofit/>
+          </a:bodyPr>
+          <a:lstStyle>
+            <a:lvl1pPr algn="ctr">
+              <a:buNone/>
+              <a:defRPr sz="1800">
+                <a:solidFill>
+                  <a:schemeClr val="bg1"/>
+                </a:solidFill>
+              </a:defRPr>
+            </a:lvl1pPr>
+          </a:lstStyle>
+          <a:p>
+            <a:r>
+              <a:rPr lang="en-US"/>
+              <a:t>Click icon to add picture</a:t>
+            </a:r>
+            <a:endParaRPr lang="en-US" dirty="0"/>
+          </a:p>
+        </p:txBody>
+      </p:sp>
+      <p:sp>
+        <p:nvSpPr>
+          <p:cNvPr id="31" name="Picture Placeholder 30">
+            <a:extLst>
+              <a:ext uri="{FF2B5EF4-FFF2-40B4-BE49-F238E27FC236}">
+                <a16:creationId xmlns:a16="http://schemas.microsoft.com/office/drawing/2014/main" id="{E1E0A794-F1D3-4628-B5B1-9D48AB34C3D4}"/>
+              </a:ext>
+            </a:extLst>
+          </p:cNvPr>
+          <p:cNvSpPr>
+            <a:spLocks noGrp="1"/>
+          </p:cNvSpPr>
+          <p:nvPr>
+            <p:ph type="pic" sz="quarter" idx="16"/>
+          </p:nvPr>
+        </p:nvSpPr>
+        <p:spPr>
+          <a:xfrm>
+            <a:off x="5579539" y="4386312"/>
+            <a:ext cx="3119293" cy="2462810"/>
+          </a:xfrm>
+          <a:custGeom>
+            <a:avLst/>
+            <a:gdLst>
+              <a:gd name="connsiteX0" fmla="*/ 1559647 w 3119293"/>
+              <a:gd name="connsiteY0" fmla="*/ 0 h 2462810"/>
+              <a:gd name="connsiteX1" fmla="*/ 3119293 w 3119293"/>
+              <a:gd name="connsiteY1" fmla="*/ 1559647 h 2462810"/>
+              <a:gd name="connsiteX2" fmla="*/ 2852930 w 3119293"/>
+              <a:gd name="connsiteY2" fmla="*/ 2431660 h 2462810"/>
+              <a:gd name="connsiteX3" fmla="*/ 2829636 w 3119293"/>
+              <a:gd name="connsiteY3" fmla="*/ 2462810 h 2462810"/>
+              <a:gd name="connsiteX4" fmla="*/ 289658 w 3119293"/>
+              <a:gd name="connsiteY4" fmla="*/ 2462810 h 2462810"/>
+              <a:gd name="connsiteX5" fmla="*/ 266363 w 3119293"/>
+              <a:gd name="connsiteY5" fmla="*/ 2431660 h 2462810"/>
+              <a:gd name="connsiteX6" fmla="*/ 0 w 3119293"/>
+              <a:gd name="connsiteY6" fmla="*/ 1559647 h 2462810"/>
+              <a:gd name="connsiteX7" fmla="*/ 1559647 w 3119293"/>
+              <a:gd name="connsiteY7" fmla="*/ 0 h 2462810"/>
+            </a:gdLst>
+            <a:ahLst/>
+            <a:cxnLst>
+              <a:cxn ang="0">
+                <a:pos x="connsiteX0" y="connsiteY0"/>
+              </a:cxn>
+              <a:cxn ang="0">
+                <a:pos x="connsiteX1" y="connsiteY1"/>
+              </a:cxn>
+              <a:cxn ang="0">
+                <a:pos x="connsiteX2" y="connsiteY2"/>
+              </a:cxn>
+              <a:cxn ang="0">
+                <a:pos x="connsiteX3" y="connsiteY3"/>
+              </a:cxn>
+              <a:cxn ang="0">
+                <a:pos x="connsiteX4" y="connsiteY4"/>
+              </a:cxn>
+              <a:cxn ang="0">
+                <a:pos x="connsiteX5" y="connsiteY5"/>
+              </a:cxn>
+              <a:cxn ang="0">
+                <a:pos x="connsiteX6" y="connsiteY6"/>
+              </a:cxn>
+              <a:cxn ang="0">
+                <a:pos x="connsiteX7" y="connsiteY7"/>
+              </a:cxn>
+            </a:cxnLst>
+            <a:rect l="l" t="t" r="r" b="b"/>
+            <a:pathLst>
+              <a:path w="3119293" h="2462810">
+                <a:moveTo>
+                  <a:pt x="1559647" y="0"/>
+                </a:moveTo>
+                <a:cubicBezTo>
+                  <a:pt x="2421016" y="0"/>
+                  <a:pt x="3119293" y="698278"/>
+                  <a:pt x="3119293" y="1559647"/>
+                </a:cubicBezTo>
+                <a:cubicBezTo>
+                  <a:pt x="3119293" y="1882660"/>
+                  <a:pt x="3021098" y="2182739"/>
+                  <a:pt x="2852930" y="2431660"/>
+                </a:cubicBezTo>
+                <a:lnTo>
+                  <a:pt x="2829636" y="2462810"/>
+                </a:lnTo>
+                <a:lnTo>
+                  <a:pt x="289658" y="2462810"/>
+                </a:lnTo>
+                <a:lnTo>
+                  <a:pt x="266363" y="2431660"/>
+                </a:lnTo>
+                <a:cubicBezTo>
+                  <a:pt x="98195" y="2182739"/>
+                  <a:pt x="0" y="1882660"/>
+                  <a:pt x="0" y="1559647"/>
+                </a:cubicBezTo>
+                <a:cubicBezTo>
+                  <a:pt x="0" y="698278"/>
+                  <a:pt x="698278" y="0"/>
+                  <a:pt x="1559647" y="0"/>
+                </a:cubicBezTo>
+                <a:close/>
+              </a:path>
+            </a:pathLst>
+          </a:custGeom>
+        </p:spPr>
+        <p:txBody>
+          <a:bodyPr wrap="square" anchor="ctr">
+            <a:noAutofit/>
+          </a:bodyPr>
+          <a:lstStyle>
+            <a:lvl1pPr algn="ctr">
+              <a:buNone/>
+              <a:defRPr sz="1800">
+                <a:solidFill>
+                  <a:schemeClr val="bg1"/>
+                </a:solidFill>
+              </a:defRPr>
+            </a:lvl1pPr>
+          </a:lstStyle>
+          <a:p>
+            <a:r>
+              <a:rPr lang="en-US"/>
+              <a:t>Click icon to add picture</a:t>
+            </a:r>
+            <a:endParaRPr lang="en-US" dirty="0"/>
+          </a:p>
+        </p:txBody>
+      </p:sp>
+      <p:sp>
+        <p:nvSpPr>
+          <p:cNvPr id="30" name="Picture Placeholder 29">
+            <a:extLst>
+              <a:ext uri="{FF2B5EF4-FFF2-40B4-BE49-F238E27FC236}">
+                <a16:creationId xmlns:a16="http://schemas.microsoft.com/office/drawing/2014/main" id="{B8D3F45B-B631-47D3-A33C-71CEC2B3602C}"/>
+              </a:ext>
+            </a:extLst>
+          </p:cNvPr>
+          <p:cNvSpPr>
+            <a:spLocks noGrp="1"/>
+          </p:cNvSpPr>
+          <p:nvPr>
+            <p:ph type="pic" sz="quarter" idx="17"/>
+          </p:nvPr>
+        </p:nvSpPr>
+        <p:spPr>
+          <a:xfrm>
+            <a:off x="1092905" y="4018982"/>
+            <a:ext cx="3854161" cy="2839018"/>
+          </a:xfrm>
+          <a:custGeom>
+            <a:avLst/>
+            <a:gdLst>
+              <a:gd name="connsiteX0" fmla="*/ 1927061 w 3854161"/>
+              <a:gd name="connsiteY0" fmla="*/ 0 h 2839018"/>
+              <a:gd name="connsiteX1" fmla="*/ 1927101 w 3854161"/>
+              <a:gd name="connsiteY1" fmla="*/ 0 h 2839018"/>
+              <a:gd name="connsiteX2" fmla="*/ 2124114 w 3854161"/>
+              <a:gd name="connsiteY2" fmla="*/ 9948 h 2839018"/>
+              <a:gd name="connsiteX3" fmla="*/ 3854161 w 3854161"/>
+              <a:gd name="connsiteY3" fmla="*/ 1927080 h 2839018"/>
+              <a:gd name="connsiteX4" fmla="*/ 3702722 w 3854161"/>
+              <a:gd name="connsiteY4" fmla="*/ 2677187 h 2839018"/>
+              <a:gd name="connsiteX5" fmla="*/ 3624763 w 3854161"/>
+              <a:gd name="connsiteY5" fmla="*/ 2839018 h 2839018"/>
+              <a:gd name="connsiteX6" fmla="*/ 229398 w 3854161"/>
+              <a:gd name="connsiteY6" fmla="*/ 2839018 h 2839018"/>
+              <a:gd name="connsiteX7" fmla="*/ 151440 w 3854161"/>
+              <a:gd name="connsiteY7" fmla="*/ 2677187 h 2839018"/>
+              <a:gd name="connsiteX8" fmla="*/ 0 w 3854161"/>
+              <a:gd name="connsiteY8" fmla="*/ 1927080 h 2839018"/>
+              <a:gd name="connsiteX9" fmla="*/ 1730048 w 3854161"/>
+              <a:gd name="connsiteY9" fmla="*/ 9948 h 2839018"/>
+            </a:gdLst>
+            <a:ahLst/>
+            <a:cxnLst>
+              <a:cxn ang="0">
+                <a:pos x="connsiteX0" y="connsiteY0"/>
+              </a:cxn>
+              <a:cxn ang="0">
+                <a:pos x="connsiteX1" y="connsiteY1"/>
+              </a:cxn>
+              <a:cxn ang="0">
+                <a:pos x="connsiteX2" y="connsiteY2"/>
+              </a:cxn>
+              <a:cxn ang="0">
+                <a:pos x="connsiteX3" y="connsiteY3"/>
+              </a:cxn>
+              <a:cxn ang="0">
+                <a:pos x="connsiteX4" y="connsiteY4"/>
+              </a:cxn>
+              <a:cxn ang="0">
+                <a:pos x="connsiteX5" y="connsiteY5"/>
+              </a:cxn>
+              <a:cxn ang="0">
+                <a:pos x="connsiteX6" y="connsiteY6"/>
+              </a:cxn>
+              <a:cxn ang="0">
+                <a:pos x="connsiteX7" y="connsiteY7"/>
+              </a:cxn>
+              <a:cxn ang="0">
+                <a:pos x="connsiteX8" y="connsiteY8"/>
+              </a:cxn>
+              <a:cxn ang="0">
+                <a:pos x="connsiteX9" y="connsiteY9"/>
+              </a:cxn>
+            </a:cxnLst>
+            <a:rect l="l" t="t" r="r" b="b"/>
+            <a:pathLst>
+              <a:path w="3854161" h="2839018">
+                <a:moveTo>
+                  <a:pt x="1927061" y="0"/>
+                </a:moveTo>
+                <a:lnTo>
+                  <a:pt x="1927101" y="0"/>
+                </a:lnTo>
+                <a:lnTo>
+                  <a:pt x="2124114" y="9948"/>
+                </a:lnTo>
+                <a:cubicBezTo>
+                  <a:pt x="3095856" y="108634"/>
+                  <a:pt x="3854161" y="929301"/>
+                  <a:pt x="3854161" y="1927080"/>
+                </a:cubicBezTo>
+                <a:cubicBezTo>
+                  <a:pt x="3854161" y="2193154"/>
+                  <a:pt x="3800237" y="2446634"/>
+                  <a:pt x="3702722" y="2677187"/>
+                </a:cubicBezTo>
+                <a:lnTo>
+                  <a:pt x="3624763" y="2839018"/>
+                </a:lnTo>
+                <a:lnTo>
+                  <a:pt x="229398" y="2839018"/>
+                </a:lnTo>
+                <a:lnTo>
+                  <a:pt x="151440" y="2677187"/>
+                </a:lnTo>
+                <a:cubicBezTo>
+                  <a:pt x="53924" y="2446634"/>
+                  <a:pt x="0" y="2193154"/>
+                  <a:pt x="0" y="1927080"/>
+                </a:cubicBezTo>
+                <a:cubicBezTo>
+                  <a:pt x="0" y="929301"/>
+                  <a:pt x="758305" y="108634"/>
+                  <a:pt x="1730048" y="9948"/>
+                </a:cubicBezTo>
+                <a:close/>
+              </a:path>
+            </a:pathLst>
+          </a:custGeom>
+        </p:spPr>
+        <p:txBody>
+          <a:bodyPr wrap="square" anchor="ctr">
+            <a:noAutofit/>
+          </a:bodyPr>
+          <a:lstStyle>
+            <a:lvl1pPr algn="ctr">
+              <a:buNone/>
+              <a:defRPr sz="1800">
+                <a:solidFill>
+                  <a:schemeClr val="bg1"/>
+                </a:solidFill>
+              </a:defRPr>
+            </a:lvl1pPr>
+          </a:lstStyle>
+          <a:p>
+            <a:r>
+              <a:rPr lang="en-US"/>
+              <a:t>Click icon to add picture</a:t>
+            </a:r>
+            <a:endParaRPr lang="en-US" dirty="0"/>
+          </a:p>
+        </p:txBody>
+      </p:sp>
+      <p:sp>
+        <p:nvSpPr>
+          <p:cNvPr id="2" name="Title 1">
+            <a:extLst>
+              <a:ext uri="{FF2B5EF4-FFF2-40B4-BE49-F238E27FC236}">
+                <a16:creationId xmlns:a16="http://schemas.microsoft.com/office/drawing/2014/main" id="{E969F227-D21C-48B3-828A-6BFA9585E82F}"/>
+              </a:ext>
+            </a:extLst>
+          </p:cNvPr>
+          <p:cNvSpPr>
+            <a:spLocks noGrp="1"/>
+          </p:cNvSpPr>
+          <p:nvPr>
+            <p:ph type="title"/>
+          </p:nvPr>
+        </p:nvSpPr>
+        <p:spPr>
+          <a:xfrm>
+            <a:off x="5760720" y="585216"/>
+            <a:ext cx="5276088" cy="2276856"/>
+          </a:xfrm>
+        </p:spPr>
+        <p:txBody>
+          <a:bodyPr anchor="b"/>
+          <a:lstStyle>
+            <a:lvl1pPr algn="r">
+              <a:defRPr sz="4800" b="1" cap="all" spc="400" baseline="0">
+                <a:solidFill>
+                  <a:schemeClr val="bg1"/>
+                </a:solidFill>
+              </a:defRPr>
+            </a:lvl1pPr>
+          </a:lstStyle>
+          <a:p>
+            <a:r>
+              <a:rPr lang="en-US"/>
+              <a:t>Click to edit Master title style</a:t>
+            </a:r>
+            <a:endParaRPr lang="en-US" dirty="0"/>
+          </a:p>
+        </p:txBody>
+      </p:sp>
+      <p:sp>
+        <p:nvSpPr>
+          <p:cNvPr id="3" name="Date Placeholder 2">
+            <a:extLst>
+              <a:ext uri="{FF2B5EF4-FFF2-40B4-BE49-F238E27FC236}">
+                <a16:creationId xmlns:a16="http://schemas.microsoft.com/office/drawing/2014/main" id="{8DF1DFFF-E5C5-43DF-B71C-7270DB97372C}"/>
+              </a:ext>
+            </a:extLst>
+          </p:cNvPr>
+          <p:cNvSpPr>
+            <a:spLocks noGrp="1"/>
+          </p:cNvSpPr>
+          <p:nvPr>
+            <p:ph type="dt" sz="half" idx="10"/>
+          </p:nvPr>
+        </p:nvSpPr>
+        <p:spPr>
+          <a:xfrm>
+            <a:off x="658368" y="201168"/>
+            <a:ext cx="2743200" cy="365125"/>
+          </a:xfrm>
+        </p:spPr>
+        <p:txBody>
+          <a:bodyPr/>
+          <a:lstStyle>
+            <a:lvl1pPr>
+              <a:defRPr>
+                <a:solidFill>
+                  <a:schemeClr val="bg1"/>
+                </a:solidFill>
+              </a:defRPr>
+            </a:lvl1pPr>
+          </a:lstStyle>
+          <a:p>
+            <a:r>
+              <a:rPr lang="en-US" dirty="0"/>
+              <a:t>9/3/20XX</a:t>
+            </a:r>
+          </a:p>
+        </p:txBody>
+      </p:sp>
+      <p:sp>
+        <p:nvSpPr>
+          <p:cNvPr id="4" name="Footer Placeholder 3">
+            <a:extLst>
+              <a:ext uri="{FF2B5EF4-FFF2-40B4-BE49-F238E27FC236}">
+                <a16:creationId xmlns:a16="http://schemas.microsoft.com/office/drawing/2014/main" id="{7EBC03C0-6EB7-4633-967C-12C35768BB58}"/>
+              </a:ext>
+            </a:extLst>
+          </p:cNvPr>
+          <p:cNvSpPr>
+            <a:spLocks noGrp="1"/>
+          </p:cNvSpPr>
+          <p:nvPr>
+            <p:ph type="ftr" sz="quarter" idx="11"/>
+          </p:nvPr>
+        </p:nvSpPr>
+        <p:spPr>
+          <a:xfrm rot="16200000">
+            <a:off x="-548640" y="1938528"/>
+            <a:ext cx="2788920" cy="365125"/>
+          </a:xfrm>
+        </p:spPr>
+        <p:txBody>
+          <a:bodyPr/>
+          <a:lstStyle>
+            <a:lvl1pPr>
+              <a:defRPr>
+                <a:solidFill>
+                  <a:schemeClr val="bg1"/>
+                </a:solidFill>
+              </a:defRPr>
+            </a:lvl1pPr>
+          </a:lstStyle>
+          <a:p>
+            <a:r>
+              <a:rPr lang="en-US" dirty="0"/>
+              <a:t>Presentation Title</a:t>
+            </a:r>
+          </a:p>
+        </p:txBody>
+      </p:sp>
+      <p:sp>
+        <p:nvSpPr>
+          <p:cNvPr id="5" name="Slide Number Placeholder 4">
+            <a:extLst>
+              <a:ext uri="{FF2B5EF4-FFF2-40B4-BE49-F238E27FC236}">
+                <a16:creationId xmlns:a16="http://schemas.microsoft.com/office/drawing/2014/main" id="{30FF4306-91CD-4B7B-8A53-34BE8F997581}"/>
+              </a:ext>
+            </a:extLst>
+          </p:cNvPr>
+          <p:cNvSpPr>
+            <a:spLocks noGrp="1"/>
+          </p:cNvSpPr>
+          <p:nvPr>
+            <p:ph type="sldNum" sz="quarter" idx="12"/>
+          </p:nvPr>
+        </p:nvSpPr>
+        <p:spPr>
+          <a:xfrm>
+            <a:off x="8610600" y="201168"/>
+            <a:ext cx="2743200" cy="365125"/>
+          </a:xfrm>
+        </p:spPr>
+        <p:txBody>
+          <a:bodyPr/>
+          <a:lstStyle>
+            <a:lvl1pPr>
+              <a:defRPr>
+                <a:solidFill>
+                  <a:schemeClr val="bg1"/>
+                </a:solidFill>
+              </a:defRPr>
+            </a:lvl1pPr>
+          </a:lstStyle>
+          <a:p>
+            <a:fld id="{D8DA9DAA-006C-4F4B-980E-E3DF019B24E2}" type="slidenum">
+              <a:rPr lang="en-US" smtClean="0"/>
+              <a:pPr/>
+              <a:t>‹#›</a:t>
+            </a:fld>
+            <a:endParaRPr lang="en-US" dirty="0"/>
+          </a:p>
+        </p:txBody>
+      </p:sp>
+      <p:sp>
+        <p:nvSpPr>
+          <p:cNvPr id="8" name="Graphic 32">
+            <a:extLst>
+              <a:ext uri="{FF2B5EF4-FFF2-40B4-BE49-F238E27FC236}">
+                <a16:creationId xmlns:a16="http://schemas.microsoft.com/office/drawing/2014/main" id="{846CD0EA-B0AA-4845-81A5-4ADD7C58B12F}"/>
+              </a:ext>
+            </a:extLst>
+          </p:cNvPr>
+          <p:cNvSpPr/>
+          <p:nvPr userDrawn="1"/>
+        </p:nvSpPr>
+        <p:spPr>
+          <a:xfrm>
+            <a:off x="1472366" y="1859534"/>
+            <a:ext cx="139039" cy="139039"/>
+          </a:xfrm>
+          <a:custGeom>
+            <a:avLst/>
+            <a:gdLst>
+              <a:gd name="connsiteX0" fmla="*/ 129602 w 139039"/>
+              <a:gd name="connsiteY0" fmla="*/ 60082 h 139039"/>
+              <a:gd name="connsiteX1" fmla="*/ 78957 w 139039"/>
+              <a:gd name="connsiteY1" fmla="*/ 60082 h 139039"/>
+              <a:gd name="connsiteX2" fmla="*/ 78957 w 139039"/>
+              <a:gd name="connsiteY2" fmla="*/ 9437 h 139039"/>
+              <a:gd name="connsiteX3" fmla="*/ 69520 w 139039"/>
+              <a:gd name="connsiteY3" fmla="*/ 0 h 139039"/>
+              <a:gd name="connsiteX4" fmla="*/ 60082 w 139039"/>
+              <a:gd name="connsiteY4" fmla="*/ 9437 h 139039"/>
+              <a:gd name="connsiteX5" fmla="*/ 60082 w 139039"/>
+              <a:gd name="connsiteY5" fmla="*/ 60082 h 139039"/>
+              <a:gd name="connsiteX6" fmla="*/ 9437 w 139039"/>
+              <a:gd name="connsiteY6" fmla="*/ 60082 h 139039"/>
+              <a:gd name="connsiteX7" fmla="*/ 0 w 139039"/>
+              <a:gd name="connsiteY7" fmla="*/ 69520 h 139039"/>
+              <a:gd name="connsiteX8" fmla="*/ 9437 w 139039"/>
+              <a:gd name="connsiteY8" fmla="*/ 78957 h 139039"/>
+              <a:gd name="connsiteX9" fmla="*/ 60082 w 139039"/>
+              <a:gd name="connsiteY9" fmla="*/ 78957 h 139039"/>
+              <a:gd name="connsiteX10" fmla="*/ 60082 w 139039"/>
+              <a:gd name="connsiteY10" fmla="*/ 129602 h 139039"/>
+              <a:gd name="connsiteX11" fmla="*/ 69520 w 139039"/>
+              <a:gd name="connsiteY11" fmla="*/ 139039 h 139039"/>
+              <a:gd name="connsiteX12" fmla="*/ 78957 w 139039"/>
+              <a:gd name="connsiteY12" fmla="*/ 129602 h 139039"/>
+              <a:gd name="connsiteX13" fmla="*/ 78957 w 139039"/>
+              <a:gd name="connsiteY13" fmla="*/ 78957 h 139039"/>
+              <a:gd name="connsiteX14" fmla="*/ 129602 w 139039"/>
+              <a:gd name="connsiteY14" fmla="*/ 78957 h 139039"/>
+              <a:gd name="connsiteX15" fmla="*/ 139039 w 139039"/>
+              <a:gd name="connsiteY15" fmla="*/ 69520 h 139039"/>
+              <a:gd name="connsiteX16" fmla="*/ 129602 w 139039"/>
+              <a:gd name="connsiteY16" fmla="*/ 60082 h 139039"/>
+            </a:gdLst>
+            <a:ahLst/>
+            <a:cxnLst>
+              <a:cxn ang="0">
+                <a:pos x="connsiteX0" y="connsiteY0"/>
+              </a:cxn>
+              <a:cxn ang="0">
+                <a:pos x="connsiteX1" y="connsiteY1"/>
+              </a:cxn>
+              <a:cxn ang="0">
+                <a:pos x="connsiteX2" y="connsiteY2"/>
+              </a:cxn>
+              <a:cxn ang="0">
+                <a:pos x="connsiteX3" y="connsiteY3"/>
+              </a:cxn>
+              <a:cxn ang="0">
+                <a:pos x="connsiteX4" y="connsiteY4"/>
+              </a:cxn>
+              <a:cxn ang="0">
+                <a:pos x="connsiteX5" y="connsiteY5"/>
+              </a:cxn>
+              <a:cxn ang="0">
+                <a:pos x="connsiteX6" y="connsiteY6"/>
+              </a:cxn>
+              <a:cxn ang="0">
+                <a:pos x="connsiteX7" y="connsiteY7"/>
+              </a:cxn>
+              <a:cxn ang="0">
+                <a:pos x="connsiteX8" y="connsiteY8"/>
+              </a:cxn>
+              <a:cxn ang="0">
+                <a:pos x="connsiteX9" y="connsiteY9"/>
+              </a:cxn>
+              <a:cxn ang="0">
+                <a:pos x="connsiteX10" y="connsiteY10"/>
+              </a:cxn>
+              <a:cxn ang="0">
+                <a:pos x="connsiteX11" y="connsiteY11"/>
+              </a:cxn>
+              <a:cxn ang="0">
+                <a:pos x="connsiteX12" y="connsiteY12"/>
+              </a:cxn>
+              <a:cxn ang="0">
+                <a:pos x="connsiteX13" y="connsiteY13"/>
+              </a:cxn>
+              <a:cxn ang="0">
+                <a:pos x="connsiteX14" y="connsiteY14"/>
+              </a:cxn>
+              <a:cxn ang="0">
+                <a:pos x="connsiteX15" y="connsiteY15"/>
+              </a:cxn>
+              <a:cxn ang="0">
+                <a:pos x="connsiteX16" y="connsiteY16"/>
+              </a:cxn>
+            </a:cxnLst>
+            <a:rect l="l" t="t" r="r" b="b"/>
+            <a:pathLst>
+              <a:path w="139039" h="139039">
+                <a:moveTo>
+                  <a:pt x="129602" y="60082"/>
+                </a:moveTo>
+                <a:lnTo>
+                  <a:pt x="78957" y="60082"/>
+                </a:lnTo>
+                <a:lnTo>
+                  <a:pt x="78957" y="9437"/>
+                </a:lnTo>
+                <a:cubicBezTo>
+                  <a:pt x="78957" y="4225"/>
+                  <a:pt x="74731" y="0"/>
+                  <a:pt x="69520" y="0"/>
+                </a:cubicBezTo>
+                <a:cubicBezTo>
+                  <a:pt x="64308" y="0"/>
+                  <a:pt x="60082" y="4225"/>
+                  <a:pt x="60082" y="9437"/>
+                </a:cubicBezTo>
+                <a:lnTo>
+                  <a:pt x="60082" y="60082"/>
+                </a:lnTo>
+                <a:lnTo>
+                  <a:pt x="9437" y="60082"/>
+                </a:lnTo>
+                <a:cubicBezTo>
+                  <a:pt x="4225" y="60082"/>
+                  <a:pt x="0" y="64308"/>
+                  <a:pt x="0" y="69520"/>
+                </a:cubicBezTo>
+                <a:cubicBezTo>
+                  <a:pt x="0" y="74731"/>
+                  <a:pt x="4225" y="78957"/>
+                  <a:pt x="9437" y="78957"/>
+                </a:cubicBezTo>
+                <a:lnTo>
+                  <a:pt x="60082" y="78957"/>
+                </a:lnTo>
+                <a:lnTo>
+                  <a:pt x="60082" y="129602"/>
+                </a:lnTo>
+                <a:cubicBezTo>
+                  <a:pt x="60082" y="134814"/>
+                  <a:pt x="64308" y="139039"/>
+                  <a:pt x="69520" y="139039"/>
+                </a:cubicBezTo>
+                <a:cubicBezTo>
+                  <a:pt x="74731" y="139039"/>
+                  <a:pt x="78957" y="134814"/>
+                  <a:pt x="78957" y="129602"/>
+                </a:cubicBezTo>
+                <a:lnTo>
+                  <a:pt x="78957" y="78957"/>
+                </a:lnTo>
+                <a:lnTo>
+                  <a:pt x="129602" y="78957"/>
+                </a:lnTo>
+                <a:cubicBezTo>
+                  <a:pt x="134814" y="78957"/>
+                  <a:pt x="139039" y="74731"/>
+                  <a:pt x="139039" y="69520"/>
+                </a:cubicBezTo>
+                <a:cubicBezTo>
+                  <a:pt x="139039" y="64308"/>
+                  <a:pt x="134814" y="60082"/>
+                  <a:pt x="129602" y="60082"/>
+                </a:cubicBezTo>
+                <a:close/>
+              </a:path>
+            </a:pathLst>
+          </a:custGeom>
+          <a:solidFill>
+            <a:schemeClr val="bg1"/>
+          </a:solidFill>
+          <a:ln w="603" cap="flat">
+            <a:noFill/>
+            <a:prstDash val="solid"/>
+            <a:miter/>
+          </a:ln>
+        </p:spPr>
+        <p:txBody>
+          <a:bodyPr rtlCol="0" anchor="ctr"/>
+          <a:lstStyle/>
+          <a:p>
+            <a:endParaRPr lang="en-US" dirty="0"/>
+          </a:p>
+        </p:txBody>
+      </p:sp>
+      <p:sp>
+        <p:nvSpPr>
+          <p:cNvPr id="10" name="Graphic 33">
+            <a:extLst>
+              <a:ext uri="{FF2B5EF4-FFF2-40B4-BE49-F238E27FC236}">
+                <a16:creationId xmlns:a16="http://schemas.microsoft.com/office/drawing/2014/main" id="{0E97A0CB-7CB1-47F0-BD48-EEECBAC39CD2}"/>
+              </a:ext>
+            </a:extLst>
+          </p:cNvPr>
+          <p:cNvSpPr/>
+          <p:nvPr userDrawn="1"/>
+        </p:nvSpPr>
+        <p:spPr>
+          <a:xfrm>
+            <a:off x="2014523" y="3146867"/>
+            <a:ext cx="127714" cy="127714"/>
+          </a:xfrm>
+          <a:custGeom>
+            <a:avLst/>
+            <a:gdLst>
+              <a:gd name="connsiteX0" fmla="*/ 63857 w 127714"/>
+              <a:gd name="connsiteY0" fmla="*/ 18874 h 127714"/>
+              <a:gd name="connsiteX1" fmla="*/ 108840 w 127714"/>
+              <a:gd name="connsiteY1" fmla="*/ 63857 h 127714"/>
+              <a:gd name="connsiteX2" fmla="*/ 63857 w 127714"/>
+              <a:gd name="connsiteY2" fmla="*/ 108840 h 127714"/>
+              <a:gd name="connsiteX3" fmla="*/ 18874 w 127714"/>
+              <a:gd name="connsiteY3" fmla="*/ 63857 h 127714"/>
+              <a:gd name="connsiteX4" fmla="*/ 63857 w 127714"/>
+              <a:gd name="connsiteY4" fmla="*/ 18874 h 127714"/>
+              <a:gd name="connsiteX5" fmla="*/ 63857 w 127714"/>
+              <a:gd name="connsiteY5" fmla="*/ 0 h 127714"/>
+              <a:gd name="connsiteX6" fmla="*/ 0 w 127714"/>
+              <a:gd name="connsiteY6" fmla="*/ 63857 h 127714"/>
+              <a:gd name="connsiteX7" fmla="*/ 63857 w 127714"/>
+              <a:gd name="connsiteY7" fmla="*/ 127714 h 127714"/>
+              <a:gd name="connsiteX8" fmla="*/ 127714 w 127714"/>
+              <a:gd name="connsiteY8" fmla="*/ 63857 h 127714"/>
+              <a:gd name="connsiteX9" fmla="*/ 63857 w 127714"/>
+              <a:gd name="connsiteY9" fmla="*/ 0 h 127714"/>
+            </a:gdLst>
+            <a:ahLst/>
+            <a:cxnLst>
+              <a:cxn ang="0">
+                <a:pos x="connsiteX0" y="connsiteY0"/>
+              </a:cxn>
+              <a:cxn ang="0">
+                <a:pos x="connsiteX1" y="connsiteY1"/>
+              </a:cxn>
+              <a:cxn ang="0">
+                <a:pos x="connsiteX2" y="connsiteY2"/>
+              </a:cxn>
+              <a:cxn ang="0">
+                <a:pos x="connsiteX3" y="connsiteY3"/>
+              </a:cxn>
+              <a:cxn ang="0">
+                <a:pos x="connsiteX4" y="connsiteY4"/>
+              </a:cxn>
+              <a:cxn ang="0">
+                <a:pos x="connsiteX5" y="connsiteY5"/>
+              </a:cxn>
+              <a:cxn ang="0">
+                <a:pos x="connsiteX6" y="connsiteY6"/>
+              </a:cxn>
+              <a:cxn ang="0">
+                <a:pos x="connsiteX7" y="connsiteY7"/>
+              </a:cxn>
+              <a:cxn ang="0">
+                <a:pos x="connsiteX8" y="connsiteY8"/>
+              </a:cxn>
+              <a:cxn ang="0">
+                <a:pos x="connsiteX9" y="connsiteY9"/>
+              </a:cxn>
+            </a:cxnLst>
+            <a:rect l="l" t="t" r="r" b="b"/>
+            <a:pathLst>
+              <a:path w="127714" h="127714">
+                <a:moveTo>
+                  <a:pt x="63857" y="18874"/>
+                </a:moveTo>
+                <a:cubicBezTo>
+                  <a:pt x="88700" y="18874"/>
+                  <a:pt x="108840" y="39014"/>
+                  <a:pt x="108840" y="63857"/>
+                </a:cubicBezTo>
+                <a:cubicBezTo>
+                  <a:pt x="108840" y="88700"/>
+                  <a:pt x="88700" y="108840"/>
+                  <a:pt x="63857" y="108840"/>
+                </a:cubicBezTo>
+                <a:cubicBezTo>
+                  <a:pt x="39014" y="108840"/>
+                  <a:pt x="18874" y="88700"/>
+                  <a:pt x="18874" y="63857"/>
+                </a:cubicBezTo>
+                <a:cubicBezTo>
+                  <a:pt x="18898" y="39024"/>
+                  <a:pt x="39024" y="18898"/>
+                  <a:pt x="63857" y="18874"/>
+                </a:cubicBezTo>
+                <a:moveTo>
+                  <a:pt x="63857" y="0"/>
+                </a:moveTo>
+                <a:cubicBezTo>
+                  <a:pt x="28590" y="0"/>
+                  <a:pt x="0" y="28590"/>
+                  <a:pt x="0" y="63857"/>
+                </a:cubicBezTo>
+                <a:cubicBezTo>
+                  <a:pt x="0" y="99124"/>
+                  <a:pt x="28590" y="127714"/>
+                  <a:pt x="63857" y="127714"/>
+                </a:cubicBezTo>
+                <a:cubicBezTo>
+                  <a:pt x="99124" y="127714"/>
+                  <a:pt x="127714" y="99124"/>
+                  <a:pt x="127714" y="63857"/>
+                </a:cubicBezTo>
+                <a:cubicBezTo>
+                  <a:pt x="127714" y="28590"/>
+                  <a:pt x="99124" y="0"/>
+                  <a:pt x="63857" y="0"/>
+                </a:cubicBezTo>
+                <a:close/>
+              </a:path>
+            </a:pathLst>
+          </a:custGeom>
+          <a:solidFill>
+            <a:schemeClr val="bg1"/>
+          </a:solidFill>
+          <a:ln w="610" cap="flat">
+            <a:noFill/>
+            <a:prstDash val="solid"/>
+            <a:miter/>
+          </a:ln>
+        </p:spPr>
+        <p:txBody>
+          <a:bodyPr rtlCol="0" anchor="ctr"/>
+          <a:lstStyle/>
+          <a:p>
+            <a:endParaRPr lang="en-US" dirty="0"/>
+          </a:p>
+        </p:txBody>
+      </p:sp>
+      <p:sp>
+        <p:nvSpPr>
+          <p:cNvPr id="12" name="Graphic 31">
+            <a:extLst>
+              <a:ext uri="{FF2B5EF4-FFF2-40B4-BE49-F238E27FC236}">
+                <a16:creationId xmlns:a16="http://schemas.microsoft.com/office/drawing/2014/main" id="{477816C9-06CB-4BC5-B26B-6A2877BD941A}"/>
+              </a:ext>
+            </a:extLst>
+          </p:cNvPr>
+          <p:cNvSpPr/>
+          <p:nvPr userDrawn="1"/>
+        </p:nvSpPr>
+        <p:spPr>
+          <a:xfrm>
+            <a:off x="5404920" y="4508295"/>
+            <a:ext cx="91138" cy="91138"/>
+          </a:xfrm>
+          <a:custGeom>
+            <a:avLst/>
+            <a:gdLst>
+              <a:gd name="connsiteX0" fmla="*/ 91138 w 91138"/>
+              <a:gd name="connsiteY0" fmla="*/ 45569 h 91138"/>
+              <a:gd name="connsiteX1" fmla="*/ 45569 w 91138"/>
+              <a:gd name="connsiteY1" fmla="*/ 91138 h 91138"/>
+              <a:gd name="connsiteX2" fmla="*/ 0 w 91138"/>
+              <a:gd name="connsiteY2" fmla="*/ 45569 h 91138"/>
+              <a:gd name="connsiteX3" fmla="*/ 45569 w 91138"/>
+              <a:gd name="connsiteY3" fmla="*/ 0 h 91138"/>
+              <a:gd name="connsiteX4" fmla="*/ 91138 w 91138"/>
+              <a:gd name="connsiteY4" fmla="*/ 45569 h 91138"/>
+            </a:gdLst>
+            <a:ahLst/>
+            <a:cxnLst>
+              <a:cxn ang="0">
+                <a:pos x="connsiteX0" y="connsiteY0"/>
+              </a:cxn>
+              <a:cxn ang="0">
+                <a:pos x="connsiteX1" y="connsiteY1"/>
+              </a:cxn>
+              <a:cxn ang="0">
+                <a:pos x="connsiteX2" y="connsiteY2"/>
+              </a:cxn>
+              <a:cxn ang="0">
+                <a:pos x="connsiteX3" y="connsiteY3"/>
+              </a:cxn>
+              <a:cxn ang="0">
+                <a:pos x="connsiteX4" y="connsiteY4"/>
+              </a:cxn>
+            </a:cxnLst>
+            <a:rect l="l" t="t" r="r" b="b"/>
+            <a:pathLst>
+              <a:path w="91138" h="91138">
+                <a:moveTo>
+                  <a:pt x="91138" y="45569"/>
+                </a:moveTo>
+                <a:cubicBezTo>
+                  <a:pt x="91138" y="70736"/>
+                  <a:pt x="70736" y="91138"/>
+                  <a:pt x="45569" y="91138"/>
+                </a:cubicBezTo>
+                <a:cubicBezTo>
+                  <a:pt x="20402" y="91138"/>
+                  <a:pt x="0" y="70736"/>
+                  <a:pt x="0" y="45569"/>
+                </a:cubicBezTo>
+                <a:cubicBezTo>
+                  <a:pt x="0" y="20402"/>
+                  <a:pt x="20402" y="0"/>
+                  <a:pt x="45569" y="0"/>
+                </a:cubicBezTo>
+                <a:cubicBezTo>
+                  <a:pt x="70736" y="0"/>
+                  <a:pt x="91138" y="20402"/>
+                  <a:pt x="91138" y="45569"/>
+                </a:cubicBezTo>
+                <a:close/>
+              </a:path>
+            </a:pathLst>
+          </a:custGeom>
+          <a:solidFill>
+            <a:schemeClr val="bg1"/>
+          </a:solidFill>
+          <a:ln w="422" cap="flat">
+            <a:noFill/>
+            <a:prstDash val="solid"/>
+            <a:miter/>
+          </a:ln>
+        </p:spPr>
+        <p:txBody>
+          <a:bodyPr rtlCol="0" anchor="ctr"/>
+          <a:lstStyle/>
+          <a:p>
+            <a:endParaRPr lang="en-US" dirty="0"/>
+          </a:p>
+        </p:txBody>
+      </p:sp>
+      <p:cxnSp>
+        <p:nvCxnSpPr>
+          <p:cNvPr id="14" name="Straight Connector 13">
+            <a:extLst>
+              <a:ext uri="{FF2B5EF4-FFF2-40B4-BE49-F238E27FC236}">
+                <a16:creationId xmlns:a16="http://schemas.microsoft.com/office/drawing/2014/main" id="{13AE7F8D-AE68-4A83-BAB5-3A97D473CE3C}"/>
+              </a:ext>
+            </a:extLst>
+          </p:cNvPr>
+          <p:cNvCxnSpPr>
+            <a:cxnSpLocks/>
+          </p:cNvCxnSpPr>
+          <p:nvPr userDrawn="1"/>
+        </p:nvCxnSpPr>
+        <p:spPr>
+          <a:xfrm>
+            <a:off x="856114" y="3503032"/>
+            <a:ext cx="0" cy="3346090"/>
+          </a:xfrm>
+          <a:prstGeom prst="line">
+            <a:avLst/>
+          </a:prstGeom>
+          <a:ln w="25400" cap="sq">
+            <a:solidFill>
+              <a:schemeClr val="bg1"/>
+            </a:solidFill>
+            <a:bevel/>
+          </a:ln>
+        </p:spPr>
+        <p:style>
+          <a:lnRef idx="1">
+            <a:schemeClr val="accent1"/>
+          </a:lnRef>
+          <a:fillRef idx="0">
+            <a:schemeClr val="accent1"/>
+          </a:fillRef>
+          <a:effectRef idx="0">
+            <a:schemeClr val="accent1"/>
+          </a:effectRef>
+          <a:fontRef idx="minor">
+            <a:schemeClr val="tx1"/>
+          </a:fontRef>
+        </p:style>
+      </p:cxnSp>
+      <p:sp>
+        <p:nvSpPr>
+          <p:cNvPr id="16" name="Text Placeholder 15">
+            <a:extLst>
+              <a:ext uri="{FF2B5EF4-FFF2-40B4-BE49-F238E27FC236}">
+                <a16:creationId xmlns:a16="http://schemas.microsoft.com/office/drawing/2014/main" id="{A928810C-E773-43AE-A2A1-4073955CC8DA}"/>
+              </a:ext>
+            </a:extLst>
+          </p:cNvPr>
+          <p:cNvSpPr>
+            <a:spLocks noGrp="1"/>
+          </p:cNvSpPr>
+          <p:nvPr>
+            <p:ph type="body" sz="quarter" idx="13"/>
+          </p:nvPr>
+        </p:nvSpPr>
+        <p:spPr>
+          <a:xfrm>
+            <a:off x="5760720" y="3127248"/>
+            <a:ext cx="5276088" cy="1124712"/>
+          </a:xfrm>
+        </p:spPr>
+        <p:txBody>
+          <a:bodyPr/>
+          <a:lstStyle>
+            <a:lvl1pPr marL="0" indent="0" algn="r">
+              <a:buNone/>
+              <a:defRPr sz="1800">
+                <a:solidFill>
+                  <a:schemeClr val="bg1"/>
+                </a:solidFill>
+              </a:defRPr>
+            </a:lvl1pPr>
+          </a:lstStyle>
+          <a:p>
+            <a:pPr lvl="0"/>
+            <a:r>
+              <a:rPr lang="en-US"/>
+              <a:t>Click to edit Master text styles</a:t>
+            </a:r>
+          </a:p>
+        </p:txBody>
+      </p:sp>
+    </p:spTree>
+    <p:extLst>
+      <p:ext uri="{BB962C8B-B14F-4D97-AF65-F5344CB8AC3E}">
+        <p14:creationId xmlns:p14="http://schemas.microsoft.com/office/powerpoint/2010/main" val="2950357452"/>
       </p:ext>
     </p:extLst>
   </p:cSld>
@@ -3917,7 +5198,7 @@
           <a:p>
             <a:fld id="{3CADBD16-5BFB-4D9F-9646-C75D1B53BBB6}" type="datetimeFigureOut">
               <a:rPr lang="en-US" smtClean="0"/>
-              <a:t>4/28/2023</a:t>
+              <a:t>5/5/2023</a:t>
             </a:fld>
             <a:endParaRPr lang="en-US"/>
           </a:p>
@@ -4194,7 +5475,7 @@
           <a:p>
             <a:fld id="{3CADBD16-5BFB-4D9F-9646-C75D1B53BBB6}" type="datetimeFigureOut">
               <a:rPr lang="en-US" smtClean="0"/>
-              <a:t>4/28/2023</a:t>
+              <a:t>5/5/2023</a:t>
             </a:fld>
             <a:endParaRPr lang="en-US"/>
           </a:p>
@@ -4459,7 +5740,7 @@
           <a:p>
             <a:fld id="{3CADBD16-5BFB-4D9F-9646-C75D1B53BBB6}" type="datetimeFigureOut">
               <a:rPr lang="en-US" smtClean="0"/>
-              <a:t>4/28/2023</a:t>
+              <a:t>5/5/2023</a:t>
             </a:fld>
             <a:endParaRPr lang="en-US"/>
           </a:p>
@@ -4875,7 +6156,7 @@
           <a:p>
             <a:fld id="{3CADBD16-5BFB-4D9F-9646-C75D1B53BBB6}" type="datetimeFigureOut">
               <a:rPr lang="en-US" smtClean="0"/>
-              <a:t>4/28/2023</a:t>
+              <a:t>5/5/2023</a:t>
             </a:fld>
             <a:endParaRPr lang="en-US"/>
           </a:p>
@@ -5025,7 +6306,7 @@
           <a:p>
             <a:fld id="{3CADBD16-5BFB-4D9F-9646-C75D1B53BBB6}" type="datetimeFigureOut">
               <a:rPr lang="en-US" smtClean="0"/>
-              <a:t>4/28/2023</a:t>
+              <a:t>5/5/2023</a:t>
             </a:fld>
             <a:endParaRPr lang="en-US"/>
           </a:p>
@@ -5138,7 +6419,7 @@
           <a:p>
             <a:fld id="{3CADBD16-5BFB-4D9F-9646-C75D1B53BBB6}" type="datetimeFigureOut">
               <a:rPr lang="en-US" smtClean="0"/>
-              <a:t>4/28/2023</a:t>
+              <a:t>5/5/2023</a:t>
             </a:fld>
             <a:endParaRPr lang="en-US"/>
           </a:p>
@@ -5454,7 +6735,7 @@
           <a:p>
             <a:fld id="{3CADBD16-5BFB-4D9F-9646-C75D1B53BBB6}" type="datetimeFigureOut">
               <a:rPr lang="en-US" smtClean="0"/>
-              <a:t>4/28/2023</a:t>
+              <a:t>5/5/2023</a:t>
             </a:fld>
             <a:endParaRPr lang="en-US"/>
           </a:p>
@@ -5705,7 +6986,7 @@
           <a:p>
             <a:fld id="{3CADBD16-5BFB-4D9F-9646-C75D1B53BBB6}" type="datetimeFigureOut">
               <a:rPr lang="en-US" smtClean="0"/>
-              <a:t>4/28/2023</a:t>
+              <a:t>5/5/2023</a:t>
             </a:fld>
             <a:endParaRPr lang="en-US"/>
           </a:p>
@@ -6214,7 +7495,7 @@
             <a:fld id="{3CADBD16-5BFB-4D9F-9646-C75D1B53BBB6}" type="datetimeFigureOut">
               <a:rPr lang="en-US" smtClean="0"/>
               <a:pPr/>
-              <a:t>4/28/2023</a:t>
+              <a:t>5/5/2023</a:t>
             </a:fld>
             <a:endParaRPr lang="en-US" dirty="0"/>
           </a:p>
@@ -6327,6 +7608,7 @@
     <p:sldLayoutId id="2147483727" r:id="rId9"/>
     <p:sldLayoutId id="2147483728" r:id="rId10"/>
     <p:sldLayoutId id="2147483730" r:id="rId11"/>
+    <p:sldLayoutId id="2147483737" r:id="rId12"/>
   </p:sldLayoutIdLst>
   <p:txStyles>
     <p:titleStyle>
@@ -7380,13 +8662,13 @@
         </p:spPr>
         <p:txBody>
           <a:bodyPr>
-            <a:normAutofit/>
+            <a:normAutofit fontScale="90000"/>
           </a:bodyPr>
           <a:lstStyle/>
           <a:p>
             <a:r>
-              <a:rPr lang="en-US" i="1" u="sng" dirty="0"/>
-              <a:t>TRAINING MODEL</a:t>
+              <a:rPr lang="en-US" sz="3200" i="1" u="sng" dirty="0"/>
+              <a:t>TRAINING MODEL 100 epochs to reach this accuracy in training and test</a:t>
             </a:r>
           </a:p>
         </p:txBody>
@@ -7421,7 +8703,7 @@
         </p:blipFill>
         <p:spPr>
           <a:xfrm>
-            <a:off x="723901" y="1228725"/>
+            <a:off x="693421" y="1494836"/>
             <a:ext cx="11134724" cy="5229225"/>
           </a:xfrm>
           <a:prstGeom prst="roundRect">
@@ -7628,6 +8910,799 @@
     <p:extLst>
       <p:ext uri="{BB962C8B-B14F-4D97-AF65-F5344CB8AC3E}">
         <p14:creationId xmlns:p14="http://schemas.microsoft.com/office/powerpoint/2010/main" val="272728150"/>
+      </p:ext>
+    </p:extLst>
+  </p:cSld>
+  <p:clrMapOvr>
+    <a:masterClrMapping/>
+  </p:clrMapOvr>
+</p:sld>
+</file>
+
+<file path=ppt/slides/slide12.xml><?xml version="1.0" encoding="utf-8"?>
+<p:sld xmlns:a="http://schemas.openxmlformats.org/drawingml/2006/main" xmlns:r="http://schemas.openxmlformats.org/officeDocument/2006/relationships" xmlns:p="http://schemas.openxmlformats.org/presentationml/2006/main">
+  <p:cSld>
+    <p:bg>
+      <p:bgPr>
+        <a:solidFill>
+          <a:schemeClr val="bg1"/>
+        </a:solidFill>
+        <a:effectLst/>
+      </p:bgPr>
+    </p:bg>
+    <p:spTree>
+      <p:nvGrpSpPr>
+        <p:cNvPr id="1" name=""/>
+        <p:cNvGrpSpPr/>
+        <p:nvPr/>
+      </p:nvGrpSpPr>
+      <p:grpSpPr>
+        <a:xfrm>
+          <a:off x="0" y="0"/>
+          <a:ext cx="0" cy="0"/>
+          <a:chOff x="0" y="0"/>
+          <a:chExt cx="0" cy="0"/>
+        </a:xfrm>
+      </p:grpSpPr>
+      <p:sp>
+        <p:nvSpPr>
+          <p:cNvPr id="41" name="Freeform: Shape 28">
+            <a:extLst>
+              <a:ext uri="{FF2B5EF4-FFF2-40B4-BE49-F238E27FC236}">
+                <a16:creationId xmlns:a16="http://schemas.microsoft.com/office/drawing/2014/main" id="{91C2F78B-DEE8-4195-A196-DFC51BDADFF9}"/>
+              </a:ext>
+              <a:ext uri="{C183D7F6-B498-43B3-948B-1728B52AA6E4}">
+                <adec:decorative xmlns:adec="http://schemas.microsoft.com/office/drawing/2017/decorative" val="1"/>
+              </a:ext>
+            </a:extLst>
+          </p:cNvPr>
+          <p:cNvSpPr>
+            <a:spLocks noGrp="1" noRot="1" noChangeAspect="1" noMove="1" noResize="1" noEditPoints="1" noAdjustHandles="1" noChangeArrowheads="1" noChangeShapeType="1" noTextEdit="1"/>
+          </p:cNvSpPr>
+          <p:nvPr>
+            <p:extLst>
+              <p:ext uri="{386F3935-93C4-4BCD-93E2-E3B085C9AB24}">
+                <p16:designElem xmlns:p16="http://schemas.microsoft.com/office/powerpoint/2015/main" val="1"/>
+              </p:ext>
+            </p:extLst>
+          </p:nvPr>
+        </p:nvSpPr>
+        <p:spPr>
+          <a:xfrm>
+            <a:off x="9749268" y="4070878"/>
+            <a:ext cx="2442733" cy="2787123"/>
+          </a:xfrm>
+          <a:custGeom>
+            <a:avLst/>
+            <a:gdLst>
+              <a:gd name="connsiteX0" fmla="*/ 2442733 w 2442733"/>
+              <a:gd name="connsiteY0" fmla="*/ 0 h 2787123"/>
+              <a:gd name="connsiteX1" fmla="*/ 2442733 w 2442733"/>
+              <a:gd name="connsiteY1" fmla="*/ 2787123 h 2787123"/>
+              <a:gd name="connsiteX2" fmla="*/ 0 w 2442733"/>
+              <a:gd name="connsiteY2" fmla="*/ 2787123 h 2787123"/>
+            </a:gdLst>
+            <a:ahLst/>
+            <a:cxnLst>
+              <a:cxn ang="0">
+                <a:pos x="connsiteX0" y="connsiteY0"/>
+              </a:cxn>
+              <a:cxn ang="0">
+                <a:pos x="connsiteX1" y="connsiteY1"/>
+              </a:cxn>
+              <a:cxn ang="0">
+                <a:pos x="connsiteX2" y="connsiteY2"/>
+              </a:cxn>
+            </a:cxnLst>
+            <a:rect l="l" t="t" r="r" b="b"/>
+            <a:pathLst>
+              <a:path w="2442733" h="2787123">
+                <a:moveTo>
+                  <a:pt x="2442733" y="0"/>
+                </a:moveTo>
+                <a:lnTo>
+                  <a:pt x="2442733" y="2787123"/>
+                </a:lnTo>
+                <a:lnTo>
+                  <a:pt x="0" y="2787123"/>
+                </a:lnTo>
+                <a:close/>
+              </a:path>
+            </a:pathLst>
+          </a:custGeom>
+          <a:solidFill>
+            <a:schemeClr val="bg2"/>
+          </a:solidFill>
+          <a:ln w="12700" cap="flat" cmpd="sng" algn="ctr">
+            <a:noFill/>
+            <a:prstDash val="solid"/>
+            <a:miter lim="800000"/>
+          </a:ln>
+          <a:effectLst/>
+        </p:spPr>
+        <p:style>
+          <a:lnRef idx="2">
+            <a:schemeClr val="accent1">
+              <a:shade val="50000"/>
+            </a:schemeClr>
+          </a:lnRef>
+          <a:fillRef idx="1">
+            <a:schemeClr val="accent1"/>
+          </a:fillRef>
+          <a:effectRef idx="0">
+            <a:schemeClr val="accent1"/>
+          </a:effectRef>
+          <a:fontRef idx="minor">
+            <a:schemeClr val="lt1"/>
+          </a:fontRef>
+        </p:style>
+        <p:txBody>
+          <a:bodyPr wrap="square" rtlCol="0" anchor="ctr">
+            <a:noAutofit/>
+          </a:bodyPr>
+          <a:lstStyle/>
+          <a:p>
+            <a:pPr algn="ctr"/>
+            <a:endParaRPr lang="en-US"/>
+          </a:p>
+        </p:txBody>
+      </p:sp>
+      <p:sp>
+        <p:nvSpPr>
+          <p:cNvPr id="42" name="Freeform: Shape 30">
+            <a:extLst>
+              <a:ext uri="{FF2B5EF4-FFF2-40B4-BE49-F238E27FC236}">
+                <a16:creationId xmlns:a16="http://schemas.microsoft.com/office/drawing/2014/main" id="{A1D79D08-4BE8-4799-BE09-5078DFEE2256}"/>
+              </a:ext>
+              <a:ext uri="{C183D7F6-B498-43B3-948B-1728B52AA6E4}">
+                <adec:decorative xmlns:adec="http://schemas.microsoft.com/office/drawing/2017/decorative" val="1"/>
+              </a:ext>
+            </a:extLst>
+          </p:cNvPr>
+          <p:cNvSpPr>
+            <a:spLocks noGrp="1" noRot="1" noChangeAspect="1" noMove="1" noResize="1" noEditPoints="1" noAdjustHandles="1" noChangeArrowheads="1" noChangeShapeType="1" noTextEdit="1"/>
+          </p:cNvSpPr>
+          <p:nvPr>
+            <p:extLst>
+              <p:ext uri="{386F3935-93C4-4BCD-93E2-E3B085C9AB24}">
+                <p16:designElem xmlns:p16="http://schemas.microsoft.com/office/powerpoint/2015/main" val="1"/>
+              </p:ext>
+            </p:extLst>
+          </p:nvPr>
+        </p:nvSpPr>
+        <p:spPr>
+          <a:xfrm rot="10800000">
+            <a:off x="0" y="0"/>
+            <a:ext cx="2442733" cy="2787123"/>
+          </a:xfrm>
+          <a:custGeom>
+            <a:avLst/>
+            <a:gdLst>
+              <a:gd name="connsiteX0" fmla="*/ 2442733 w 2442733"/>
+              <a:gd name="connsiteY0" fmla="*/ 0 h 2787123"/>
+              <a:gd name="connsiteX1" fmla="*/ 2442733 w 2442733"/>
+              <a:gd name="connsiteY1" fmla="*/ 2787123 h 2787123"/>
+              <a:gd name="connsiteX2" fmla="*/ 0 w 2442733"/>
+              <a:gd name="connsiteY2" fmla="*/ 2787123 h 2787123"/>
+            </a:gdLst>
+            <a:ahLst/>
+            <a:cxnLst>
+              <a:cxn ang="0">
+                <a:pos x="connsiteX0" y="connsiteY0"/>
+              </a:cxn>
+              <a:cxn ang="0">
+                <a:pos x="connsiteX1" y="connsiteY1"/>
+              </a:cxn>
+              <a:cxn ang="0">
+                <a:pos x="connsiteX2" y="connsiteY2"/>
+              </a:cxn>
+            </a:cxnLst>
+            <a:rect l="l" t="t" r="r" b="b"/>
+            <a:pathLst>
+              <a:path w="2442733" h="2787123">
+                <a:moveTo>
+                  <a:pt x="2442733" y="0"/>
+                </a:moveTo>
+                <a:lnTo>
+                  <a:pt x="2442733" y="2787123"/>
+                </a:lnTo>
+                <a:lnTo>
+                  <a:pt x="0" y="2787123"/>
+                </a:lnTo>
+                <a:close/>
+              </a:path>
+            </a:pathLst>
+          </a:custGeom>
+          <a:solidFill>
+            <a:schemeClr val="bg2"/>
+          </a:solidFill>
+          <a:ln w="12700" cap="flat" cmpd="sng" algn="ctr">
+            <a:noFill/>
+            <a:prstDash val="solid"/>
+            <a:miter lim="800000"/>
+          </a:ln>
+          <a:effectLst/>
+        </p:spPr>
+        <p:style>
+          <a:lnRef idx="2">
+            <a:schemeClr val="accent1">
+              <a:shade val="50000"/>
+            </a:schemeClr>
+          </a:lnRef>
+          <a:fillRef idx="1">
+            <a:schemeClr val="accent1"/>
+          </a:fillRef>
+          <a:effectRef idx="0">
+            <a:schemeClr val="accent1"/>
+          </a:effectRef>
+          <a:fontRef idx="minor">
+            <a:schemeClr val="lt1"/>
+          </a:fontRef>
+        </p:style>
+        <p:txBody>
+          <a:bodyPr wrap="square" rtlCol="0" anchor="ctr">
+            <a:noAutofit/>
+          </a:bodyPr>
+          <a:lstStyle/>
+          <a:p>
+            <a:pPr algn="ctr"/>
+            <a:endParaRPr lang="en-US"/>
+          </a:p>
+        </p:txBody>
+      </p:sp>
+      <p:cxnSp>
+        <p:nvCxnSpPr>
+          <p:cNvPr id="43" name="Straight Connector 32">
+            <a:extLst>
+              <a:ext uri="{FF2B5EF4-FFF2-40B4-BE49-F238E27FC236}">
+                <a16:creationId xmlns:a16="http://schemas.microsoft.com/office/drawing/2014/main" id="{C95D65A1-16CB-407F-993F-2A6D59BCC0C8}"/>
+              </a:ext>
+              <a:ext uri="{C183D7F6-B498-43B3-948B-1728B52AA6E4}">
+                <adec:decorative xmlns:adec="http://schemas.microsoft.com/office/drawing/2017/decorative" val="1"/>
+              </a:ext>
+            </a:extLst>
+          </p:cNvPr>
+          <p:cNvCxnSpPr>
+            <a:cxnSpLocks noGrp="1" noRot="1" noChangeAspect="1" noMove="1" noResize="1" noEditPoints="1" noAdjustHandles="1" noChangeArrowheads="1" noChangeShapeType="1"/>
+          </p:cNvCxnSpPr>
+          <p:nvPr>
+            <p:extLst>
+              <p:ext uri="{386F3935-93C4-4BCD-93E2-E3B085C9AB24}">
+                <p16:designElem xmlns:p16="http://schemas.microsoft.com/office/powerpoint/2015/main" val="1"/>
+              </p:ext>
+            </p:extLst>
+          </p:nvPr>
+        </p:nvCxnSpPr>
+        <p:spPr>
+          <a:xfrm>
+            <a:off x="1233837" y="6172200"/>
+            <a:ext cx="9760638" cy="0"/>
+          </a:xfrm>
+          <a:prstGeom prst="line">
+            <a:avLst/>
+          </a:prstGeom>
+          <a:ln w="12700">
+            <a:solidFill>
+              <a:schemeClr val="tx1"/>
+            </a:solidFill>
+          </a:ln>
+        </p:spPr>
+        <p:style>
+          <a:lnRef idx="1">
+            <a:schemeClr val="accent1"/>
+          </a:lnRef>
+          <a:fillRef idx="0">
+            <a:schemeClr val="accent1"/>
+          </a:fillRef>
+          <a:effectRef idx="0">
+            <a:schemeClr val="accent1"/>
+          </a:effectRef>
+          <a:fontRef idx="minor">
+            <a:schemeClr val="tx1"/>
+          </a:fontRef>
+        </p:style>
+      </p:cxnSp>
+      <p:sp useBgFill="1">
+        <p:nvSpPr>
+          <p:cNvPr id="44" name="Rectangle 34">
+            <a:extLst>
+              <a:ext uri="{FF2B5EF4-FFF2-40B4-BE49-F238E27FC236}">
+                <a16:creationId xmlns:a16="http://schemas.microsoft.com/office/drawing/2014/main" id="{685B57F6-59DE-4274-A37C-F47FE4E42EEF}"/>
+              </a:ext>
+              <a:ext uri="{C183D7F6-B498-43B3-948B-1728B52AA6E4}">
+                <adec:decorative xmlns:adec="http://schemas.microsoft.com/office/drawing/2017/decorative" val="1"/>
+              </a:ext>
+            </a:extLst>
+          </p:cNvPr>
+          <p:cNvSpPr>
+            <a:spLocks noGrp="1" noRot="1" noChangeAspect="1" noMove="1" noResize="1" noEditPoints="1" noAdjustHandles="1" noChangeArrowheads="1" noChangeShapeType="1" noTextEdit="1"/>
+          </p:cNvSpPr>
+          <p:nvPr>
+            <p:extLst>
+              <p:ext uri="{386F3935-93C4-4BCD-93E2-E3B085C9AB24}">
+                <p16:designElem xmlns:p16="http://schemas.microsoft.com/office/powerpoint/2015/main" val="1"/>
+              </p:ext>
+            </p:extLst>
+          </p:nvPr>
+        </p:nvSpPr>
+        <p:spPr>
+          <a:xfrm>
+            <a:off x="0" y="0"/>
+            <a:ext cx="12192000" cy="6858000"/>
+          </a:xfrm>
+          <a:prstGeom prst="rect">
+            <a:avLst/>
+          </a:prstGeom>
+          <a:ln w="12700" cap="flat" cmpd="sng" algn="ctr">
+            <a:noFill/>
+            <a:prstDash val="solid"/>
+            <a:miter lim="800000"/>
+          </a:ln>
+          <a:effectLst/>
+          <a:extLst>
+            <a:ext uri="{91240B29-F687-4F45-9708-019B960494DF}">
+              <a14:hiddenLine xmlns:a14="http://schemas.microsoft.com/office/drawing/2010/main" w="12700" cap="flat" cmpd="sng" algn="ctr">
+                <a:solidFill>
+                  <a:schemeClr val="accent1">
+                    <a:shade val="50000"/>
+                  </a:schemeClr>
+                </a:solidFill>
+                <a:prstDash val="solid"/>
+                <a:miter lim="800000"/>
+              </a14:hiddenLine>
+            </a:ext>
+          </a:extLst>
+        </p:spPr>
+        <p:style>
+          <a:lnRef idx="2">
+            <a:schemeClr val="accent1">
+              <a:shade val="50000"/>
+            </a:schemeClr>
+          </a:lnRef>
+          <a:fillRef idx="1">
+            <a:schemeClr val="accent1"/>
+          </a:fillRef>
+          <a:effectRef idx="0">
+            <a:schemeClr val="accent1"/>
+          </a:effectRef>
+          <a:fontRef idx="minor">
+            <a:schemeClr val="lt1"/>
+          </a:fontRef>
+        </p:style>
+        <p:txBody>
+          <a:bodyPr rtlCol="0" anchor="ctr"/>
+          <a:lstStyle/>
+          <a:p>
+            <a:pPr algn="ctr"/>
+            <a:endParaRPr lang="en-US"/>
+          </a:p>
+        </p:txBody>
+      </p:sp>
+      <p:sp>
+        <p:nvSpPr>
+          <p:cNvPr id="45" name="Freeform: Shape 36">
+            <a:extLst>
+              <a:ext uri="{FF2B5EF4-FFF2-40B4-BE49-F238E27FC236}">
+                <a16:creationId xmlns:a16="http://schemas.microsoft.com/office/drawing/2014/main" id="{C8C63406-9171-4282-BAAB-2DDC6831F0E6}"/>
+              </a:ext>
+              <a:ext uri="{C183D7F6-B498-43B3-948B-1728B52AA6E4}">
+                <adec:decorative xmlns:adec="http://schemas.microsoft.com/office/drawing/2017/decorative" val="1"/>
+              </a:ext>
+            </a:extLst>
+          </p:cNvPr>
+          <p:cNvSpPr>
+            <a:spLocks noGrp="1" noRot="1" noChangeAspect="1" noMove="1" noResize="1" noEditPoints="1" noAdjustHandles="1" noChangeArrowheads="1" noChangeShapeType="1" noTextEdit="1"/>
+          </p:cNvSpPr>
+          <p:nvPr>
+            <p:extLst>
+              <p:ext uri="{386F3935-93C4-4BCD-93E2-E3B085C9AB24}">
+                <p16:designElem xmlns:p16="http://schemas.microsoft.com/office/powerpoint/2015/main" val="1"/>
+              </p:ext>
+            </p:extLst>
+          </p:nvPr>
+        </p:nvSpPr>
+        <p:spPr>
+          <a:xfrm>
+            <a:off x="3073870" y="-2"/>
+            <a:ext cx="8239927" cy="6858000"/>
+          </a:xfrm>
+          <a:custGeom>
+            <a:avLst/>
+            <a:gdLst>
+              <a:gd name="connsiteX0" fmla="*/ 6010593 w 8239927"/>
+              <a:gd name="connsiteY0" fmla="*/ 0 h 6858000"/>
+              <a:gd name="connsiteX1" fmla="*/ 8239927 w 8239927"/>
+              <a:gd name="connsiteY1" fmla="*/ 0 h 6858000"/>
+              <a:gd name="connsiteX2" fmla="*/ 2229335 w 8239927"/>
+              <a:gd name="connsiteY2" fmla="*/ 6858000 h 6858000"/>
+              <a:gd name="connsiteX3" fmla="*/ 0 w 8239927"/>
+              <a:gd name="connsiteY3" fmla="*/ 6858000 h 6858000"/>
+            </a:gdLst>
+            <a:ahLst/>
+            <a:cxnLst>
+              <a:cxn ang="0">
+                <a:pos x="connsiteX0" y="connsiteY0"/>
+              </a:cxn>
+              <a:cxn ang="0">
+                <a:pos x="connsiteX1" y="connsiteY1"/>
+              </a:cxn>
+              <a:cxn ang="0">
+                <a:pos x="connsiteX2" y="connsiteY2"/>
+              </a:cxn>
+              <a:cxn ang="0">
+                <a:pos x="connsiteX3" y="connsiteY3"/>
+              </a:cxn>
+            </a:cxnLst>
+            <a:rect l="l" t="t" r="r" b="b"/>
+            <a:pathLst>
+              <a:path w="8239927" h="6858000">
+                <a:moveTo>
+                  <a:pt x="6010593" y="0"/>
+                </a:moveTo>
+                <a:lnTo>
+                  <a:pt x="8239927" y="0"/>
+                </a:lnTo>
+                <a:lnTo>
+                  <a:pt x="2229335" y="6858000"/>
+                </a:lnTo>
+                <a:lnTo>
+                  <a:pt x="0" y="6858000"/>
+                </a:lnTo>
+                <a:close/>
+              </a:path>
+            </a:pathLst>
+          </a:custGeom>
+          <a:solidFill>
+            <a:schemeClr val="bg2"/>
+          </a:solidFill>
+          <a:ln w="12700" cap="flat" cmpd="sng" algn="ctr">
+            <a:noFill/>
+            <a:prstDash val="solid"/>
+            <a:miter lim="800000"/>
+          </a:ln>
+          <a:effectLst/>
+        </p:spPr>
+        <p:style>
+          <a:lnRef idx="2">
+            <a:schemeClr val="accent1">
+              <a:shade val="50000"/>
+            </a:schemeClr>
+          </a:lnRef>
+          <a:fillRef idx="1">
+            <a:schemeClr val="accent1"/>
+          </a:fillRef>
+          <a:effectRef idx="0">
+            <a:schemeClr val="accent1"/>
+          </a:effectRef>
+          <a:fontRef idx="minor">
+            <a:schemeClr val="lt1"/>
+          </a:fontRef>
+        </p:style>
+        <p:txBody>
+          <a:bodyPr rtlCol="0" anchor="ctr"/>
+          <a:lstStyle/>
+          <a:p>
+            <a:pPr algn="ctr"/>
+            <a:endParaRPr lang="en-US"/>
+          </a:p>
+        </p:txBody>
+      </p:sp>
+      <p:sp>
+        <p:nvSpPr>
+          <p:cNvPr id="6" name="Title 5">
+            <a:extLst>
+              <a:ext uri="{FF2B5EF4-FFF2-40B4-BE49-F238E27FC236}">
+                <a16:creationId xmlns:a16="http://schemas.microsoft.com/office/drawing/2014/main" id="{FF777B66-94CB-491C-AC6B-BDAC98E21D57}"/>
+              </a:ext>
+            </a:extLst>
+          </p:cNvPr>
+          <p:cNvSpPr>
+            <a:spLocks noGrp="1"/>
+          </p:cNvSpPr>
+          <p:nvPr>
+            <p:ph type="title"/>
+          </p:nvPr>
+        </p:nvSpPr>
+        <p:spPr>
+          <a:xfrm>
+            <a:off x="1143001" y="872937"/>
+            <a:ext cx="5920740" cy="1360898"/>
+          </a:xfrm>
+        </p:spPr>
+        <p:txBody>
+          <a:bodyPr vert="horz" lIns="91440" tIns="45720" rIns="91440" bIns="45720" rtlCol="0" anchor="ctr">
+            <a:normAutofit/>
+          </a:bodyPr>
+          <a:lstStyle/>
+          <a:p>
+            <a:pPr algn="l"/>
+            <a:r>
+              <a:rPr lang="en-US" sz="4000" kern="1200">
+                <a:solidFill>
+                  <a:schemeClr val="tx1"/>
+                </a:solidFill>
+                <a:latin typeface="+mj-lt"/>
+                <a:ea typeface="+mj-ea"/>
+                <a:cs typeface="+mj-cs"/>
+              </a:rPr>
+              <a:t>Thank you</a:t>
+            </a:r>
+          </a:p>
+        </p:txBody>
+      </p:sp>
+      <p:sp>
+        <p:nvSpPr>
+          <p:cNvPr id="7" name="Text Placeholder 6">
+            <a:extLst>
+              <a:ext uri="{FF2B5EF4-FFF2-40B4-BE49-F238E27FC236}">
+                <a16:creationId xmlns:a16="http://schemas.microsoft.com/office/drawing/2014/main" id="{42AF1107-8D35-4E35-93C7-D3640946F742}"/>
+              </a:ext>
+            </a:extLst>
+          </p:cNvPr>
+          <p:cNvSpPr>
+            <a:spLocks noGrp="1"/>
+          </p:cNvSpPr>
+          <p:nvPr>
+            <p:ph type="body" sz="quarter" idx="13"/>
+          </p:nvPr>
+        </p:nvSpPr>
+        <p:spPr>
+          <a:xfrm>
+            <a:off x="1143000" y="2332029"/>
+            <a:ext cx="3769468" cy="954096"/>
+          </a:xfrm>
+        </p:spPr>
+        <p:txBody>
+          <a:bodyPr vert="horz" lIns="91440" tIns="45720" rIns="91440" bIns="45720" rtlCol="0">
+            <a:normAutofit/>
+          </a:bodyPr>
+          <a:lstStyle/>
+          <a:p>
+            <a:pPr indent="-228600" algn="l">
+              <a:buFont typeface="Arial" panose="020B0604020202020204" pitchFamily="34" charset="0"/>
+              <a:buChar char="•"/>
+            </a:pPr>
+            <a:r>
+              <a:rPr lang="en-US" dirty="0">
+                <a:solidFill>
+                  <a:schemeClr val="tx1"/>
+                </a:solidFill>
+              </a:rPr>
+              <a:t>TEAM GAMED</a:t>
+            </a:r>
+          </a:p>
+          <a:p>
+            <a:pPr indent="-228600" algn="l">
+              <a:buFont typeface="Arial" panose="020B0604020202020204" pitchFamily="34" charset="0"/>
+              <a:buChar char="•"/>
+            </a:pPr>
+            <a:endParaRPr lang="en-US" dirty="0">
+              <a:solidFill>
+                <a:schemeClr val="tx1"/>
+              </a:solidFill>
+            </a:endParaRPr>
+          </a:p>
+        </p:txBody>
+      </p:sp>
+      <p:sp>
+        <p:nvSpPr>
+          <p:cNvPr id="23" name="Footer Placeholder 22">
+            <a:extLst>
+              <a:ext uri="{FF2B5EF4-FFF2-40B4-BE49-F238E27FC236}">
+                <a16:creationId xmlns:a16="http://schemas.microsoft.com/office/drawing/2014/main" id="{DE8D546E-0F46-4CC0-B2B1-8B2430D00C0C}"/>
+              </a:ext>
+            </a:extLst>
+          </p:cNvPr>
+          <p:cNvSpPr>
+            <a:spLocks noGrp="1"/>
+          </p:cNvSpPr>
+          <p:nvPr>
+            <p:ph type="ftr" sz="quarter" idx="11"/>
+          </p:nvPr>
+        </p:nvSpPr>
+        <p:spPr>
+          <a:xfrm>
+            <a:off x="1143000" y="6356350"/>
+            <a:ext cx="3959157" cy="365125"/>
+          </a:xfrm>
+        </p:spPr>
+        <p:txBody>
+          <a:bodyPr vert="horz" lIns="91440" tIns="45720" rIns="91440" bIns="45720" rtlCol="0" anchor="ctr">
+            <a:normAutofit/>
+          </a:bodyPr>
+          <a:lstStyle/>
+          <a:p>
+            <a:pPr>
+              <a:spcAft>
+                <a:spcPts val="600"/>
+              </a:spcAft>
+            </a:pPr>
+            <a:r>
+              <a:rPr lang="en-US" b="1" i="0" kern="1200" cap="all" spc="100" baseline="0">
+                <a:solidFill>
+                  <a:schemeClr val="tx1"/>
+                </a:solidFill>
+                <a:latin typeface="+mn-lt"/>
+                <a:ea typeface="+mn-ea"/>
+                <a:cs typeface="+mn-cs"/>
+              </a:rPr>
+              <a:t>.</a:t>
+            </a:r>
+          </a:p>
+        </p:txBody>
+      </p:sp>
+      <p:pic>
+        <p:nvPicPr>
+          <p:cNvPr id="14" name="Picture 13" descr="A picture containing text, screenshot, graphic design, logo&#10;&#10;Description automatically generated">
+            <a:extLst>
+              <a:ext uri="{FF2B5EF4-FFF2-40B4-BE49-F238E27FC236}">
+                <a16:creationId xmlns:a16="http://schemas.microsoft.com/office/drawing/2014/main" id="{82EAE972-39C8-56AB-A563-58EE7DA16C95}"/>
+              </a:ext>
+            </a:extLst>
+          </p:cNvPr>
+          <p:cNvPicPr>
+            <a:picLocks noChangeAspect="1"/>
+          </p:cNvPicPr>
+          <p:nvPr/>
+        </p:nvPicPr>
+        <p:blipFill rotWithShape="1">
+          <a:blip r:embed="rId2">
+            <a:alphaModFix/>
+          </a:blip>
+          <a:srcRect t="779" r="3" b="3"/>
+          <a:stretch/>
+        </p:blipFill>
+        <p:spPr>
+          <a:xfrm>
+            <a:off x="5280193" y="10"/>
+            <a:ext cx="6911808" cy="6857990"/>
+          </a:xfrm>
+          <a:custGeom>
+            <a:avLst/>
+            <a:gdLst/>
+            <a:ahLst/>
+            <a:cxnLst/>
+            <a:rect l="l" t="t" r="r" b="b"/>
+            <a:pathLst>
+              <a:path w="6911808" h="6858000">
+                <a:moveTo>
+                  <a:pt x="6001291" y="0"/>
+                </a:moveTo>
+                <a:lnTo>
+                  <a:pt x="6010593" y="0"/>
+                </a:lnTo>
+                <a:lnTo>
+                  <a:pt x="6911808" y="0"/>
+                </a:lnTo>
+                <a:lnTo>
+                  <a:pt x="6911808" y="6858000"/>
+                </a:lnTo>
+                <a:lnTo>
+                  <a:pt x="6094479" y="6858000"/>
+                </a:lnTo>
+                <a:lnTo>
+                  <a:pt x="6001291" y="6858000"/>
+                </a:lnTo>
+                <a:lnTo>
+                  <a:pt x="2229335" y="6858000"/>
+                </a:lnTo>
+                <a:lnTo>
+                  <a:pt x="1633138" y="6858000"/>
+                </a:lnTo>
+                <a:lnTo>
+                  <a:pt x="0" y="6858000"/>
+                </a:lnTo>
+                <a:lnTo>
+                  <a:pt x="6001291" y="10614"/>
+                </a:lnTo>
+                <a:close/>
+              </a:path>
+            </a:pathLst>
+          </a:custGeom>
+        </p:spPr>
+      </p:pic>
+      <p:sp>
+        <p:nvSpPr>
+          <p:cNvPr id="22" name="Date Placeholder 21">
+            <a:extLst>
+              <a:ext uri="{FF2B5EF4-FFF2-40B4-BE49-F238E27FC236}">
+                <a16:creationId xmlns:a16="http://schemas.microsoft.com/office/drawing/2014/main" id="{692474E6-3035-46B8-9C05-9B4204E8ED39}"/>
+              </a:ext>
+            </a:extLst>
+          </p:cNvPr>
+          <p:cNvSpPr>
+            <a:spLocks noGrp="1"/>
+          </p:cNvSpPr>
+          <p:nvPr>
+            <p:ph type="dt" sz="half" idx="10"/>
+          </p:nvPr>
+        </p:nvSpPr>
+        <p:spPr>
+          <a:xfrm>
+            <a:off x="7388157" y="6356350"/>
+            <a:ext cx="3093395" cy="365125"/>
+          </a:xfrm>
+        </p:spPr>
+        <p:txBody>
+          <a:bodyPr vert="horz" lIns="91440" tIns="45720" rIns="91440" bIns="45720" rtlCol="0" anchor="ctr">
+            <a:normAutofit/>
+          </a:bodyPr>
+          <a:lstStyle/>
+          <a:p>
+            <a:pPr>
+              <a:spcAft>
+                <a:spcPts val="600"/>
+              </a:spcAft>
+            </a:pPr>
+            <a:r>
+              <a:rPr lang="en-US">
+                <a:solidFill>
+                  <a:srgbClr val="FFFFFF"/>
+                </a:solidFill>
+              </a:rPr>
+              <a:t>1/5/2023</a:t>
+            </a:r>
+          </a:p>
+        </p:txBody>
+      </p:sp>
+      <p:sp>
+        <p:nvSpPr>
+          <p:cNvPr id="24" name="Slide Number Placeholder 23">
+            <a:extLst>
+              <a:ext uri="{FF2B5EF4-FFF2-40B4-BE49-F238E27FC236}">
+                <a16:creationId xmlns:a16="http://schemas.microsoft.com/office/drawing/2014/main" id="{5D838446-B95D-4AB7-B8CA-D5804BB79A11}"/>
+              </a:ext>
+            </a:extLst>
+          </p:cNvPr>
+          <p:cNvSpPr>
+            <a:spLocks noGrp="1"/>
+          </p:cNvSpPr>
+          <p:nvPr>
+            <p:ph type="sldNum" sz="quarter" idx="12"/>
+          </p:nvPr>
+        </p:nvSpPr>
+        <p:spPr>
+          <a:xfrm>
+            <a:off x="10423186" y="6356350"/>
+            <a:ext cx="625813" cy="365125"/>
+          </a:xfrm>
+        </p:spPr>
+        <p:txBody>
+          <a:bodyPr vert="horz" lIns="91440" tIns="45720" rIns="91440" bIns="45720" rtlCol="0" anchor="ctr">
+            <a:normAutofit/>
+          </a:bodyPr>
+          <a:lstStyle/>
+          <a:p>
+            <a:pPr>
+              <a:spcAft>
+                <a:spcPts val="600"/>
+              </a:spcAft>
+            </a:pPr>
+            <a:fld id="{D8DA9DAA-006C-4F4B-980E-E3DF019B24E2}" type="slidenum">
+              <a:rPr lang="en-US">
+                <a:solidFill>
+                  <a:srgbClr val="FFFFFF"/>
+                </a:solidFill>
+              </a:rPr>
+              <a:pPr>
+                <a:spcAft>
+                  <a:spcPts val="600"/>
+                </a:spcAft>
+              </a:pPr>
+              <a:t>12</a:t>
+            </a:fld>
+            <a:endParaRPr lang="en-US">
+              <a:solidFill>
+                <a:srgbClr val="FFFFFF"/>
+              </a:solidFill>
+            </a:endParaRPr>
+          </a:p>
+        </p:txBody>
+      </p:sp>
+    </p:spTree>
+    <p:extLst>
+      <p:ext uri="{BB962C8B-B14F-4D97-AF65-F5344CB8AC3E}">
+        <p14:creationId xmlns:p14="http://schemas.microsoft.com/office/powerpoint/2010/main" val="927313156"/>
       </p:ext>
     </p:extLst>
   </p:cSld>
@@ -9611,15 +11686,23 @@
               <a:buNone/>
             </a:pPr>
             <a:r>
-              <a:rPr lang="en-US" sz="1800" b="1" i="1" u="sng" dirty="0">
+              <a:rPr lang="en-US" sz="2400" b="1" i="1" u="sng" dirty="0">
                 <a:latin typeface="Calibri" panose="020F0502020204030204" pitchFamily="34" charset="0"/>
                 <a:ea typeface="Calibri" panose="020F0502020204030204" pitchFamily="34" charset="0"/>
                 <a:cs typeface="Arial" panose="020B0604020202020204" pitchFamily="34" charset="0"/>
               </a:rPr>
-              <a:t>Hyperparameter used</a:t>
-            </a:r>
-            <a:r>
-              <a:rPr lang="en-US" sz="1800" b="1" i="1" u="sng" dirty="0">
+              <a:t>Block </a:t>
+            </a:r>
+            <a:r>
+              <a:rPr lang="en-US" sz="2400" b="1" i="1" u="sng" dirty="0" err="1">
+                <a:latin typeface="Calibri" panose="020F0502020204030204" pitchFamily="34" charset="0"/>
+                <a:ea typeface="Calibri" panose="020F0502020204030204" pitchFamily="34" charset="0"/>
+                <a:cs typeface="Arial" panose="020B0604020202020204" pitchFamily="34" charset="0"/>
+              </a:rPr>
+              <a:t>digram</a:t>
+            </a:r>
+            <a:r>
+              <a:rPr lang="en-US" sz="2400" b="1" i="1" u="sng" dirty="0">
                 <a:effectLst/>
                 <a:latin typeface="Calibri" panose="020F0502020204030204" pitchFamily="34" charset="0"/>
                 <a:ea typeface="Calibri" panose="020F0502020204030204" pitchFamily="34" charset="0"/>
@@ -9627,57 +11710,6 @@
               </a:rPr>
               <a:t>:</a:t>
             </a:r>
-          </a:p>
-          <a:p>
-            <a:pPr marL="0" indent="0">
-              <a:lnSpc>
-                <a:spcPct val="110000"/>
-              </a:lnSpc>
-              <a:buNone/>
-            </a:pPr>
-            <a:r>
-              <a:rPr lang="en-US" sz="1700" dirty="0"/>
-              <a:t>• Optimizer: Adam </a:t>
-            </a:r>
-          </a:p>
-          <a:p>
-            <a:pPr marL="0" indent="0">
-              <a:lnSpc>
-                <a:spcPct val="110000"/>
-              </a:lnSpc>
-              <a:buNone/>
-            </a:pPr>
-            <a:r>
-              <a:rPr lang="en-US" sz="1700" dirty="0"/>
-              <a:t>• Kernel initializer: uniform, </a:t>
-            </a:r>
-            <a:r>
-              <a:rPr lang="en-US" sz="1700" dirty="0" err="1"/>
-              <a:t>he_normal</a:t>
-            </a:r>
-            <a:endParaRPr lang="en-US" sz="1700" dirty="0"/>
-          </a:p>
-          <a:p>
-            <a:pPr marL="0" indent="0">
-              <a:lnSpc>
-                <a:spcPct val="110000"/>
-              </a:lnSpc>
-              <a:buNone/>
-            </a:pPr>
-            <a:r>
-              <a:rPr lang="en-US" sz="1700" dirty="0"/>
-              <a:t> • Activation: </a:t>
-            </a:r>
-            <a:r>
-              <a:rPr lang="en-US" sz="1700" dirty="0" err="1"/>
-              <a:t>Relu</a:t>
-            </a:r>
-            <a:endParaRPr lang="en-US" sz="1700" b="1" i="1" u="sng" dirty="0">
-              <a:effectLst/>
-              <a:latin typeface="Calibri" panose="020F0502020204030204" pitchFamily="34" charset="0"/>
-              <a:ea typeface="Calibri" panose="020F0502020204030204" pitchFamily="34" charset="0"/>
-              <a:cs typeface="Arial" panose="020B0604020202020204" pitchFamily="34" charset="0"/>
-            </a:endParaRPr>
           </a:p>
           <a:p>
             <a:pPr marL="0" indent="0">
@@ -9718,10 +11750,59 @@
           </a:p>
         </p:txBody>
       </p:sp>
+      <p:pic>
+        <p:nvPicPr>
+          <p:cNvPr id="7" name="Picture 6" descr="Diagram&#10;&#10;Description automatically generated">
+            <a:extLst>
+              <a:ext uri="{FF2B5EF4-FFF2-40B4-BE49-F238E27FC236}">
+                <a16:creationId xmlns:a16="http://schemas.microsoft.com/office/drawing/2014/main" id="{A51E80CA-3691-9552-1FFD-3CF7184AABE5}"/>
+              </a:ext>
+            </a:extLst>
+          </p:cNvPr>
+          <p:cNvPicPr>
+            <a:picLocks noChangeAspect="1"/>
+          </p:cNvPicPr>
+          <p:nvPr/>
+        </p:nvPicPr>
+        <p:blipFill>
+          <a:blip r:embed="rId3">
+            <a:extLst>
+              <a:ext uri="{28A0092B-C50C-407E-A947-70E740481C1C}">
+                <a14:useLocalDpi xmlns:a14="http://schemas.microsoft.com/office/drawing/2010/main" val="0"/>
+              </a:ext>
+            </a:extLst>
+          </a:blip>
+          <a:stretch>
+            <a:fillRect/>
+          </a:stretch>
+        </p:blipFill>
+        <p:spPr>
+          <a:xfrm>
+            <a:off x="6930093" y="324091"/>
+            <a:ext cx="3984833" cy="6095759"/>
+          </a:xfrm>
+          <a:prstGeom prst="roundRect">
+            <a:avLst>
+              <a:gd name="adj" fmla="val 8594"/>
+            </a:avLst>
+          </a:prstGeom>
+          <a:solidFill>
+            <a:srgbClr val="FFFFFF">
+              <a:shade val="85000"/>
+            </a:srgbClr>
+          </a:solidFill>
+          <a:ln>
+            <a:noFill/>
+          </a:ln>
+          <a:effectLst>
+            <a:reflection blurRad="12700" stA="38000" endPos="28000" dist="5000" dir="5400000" sy="-100000" algn="bl" rotWithShape="0"/>
+          </a:effectLst>
+        </p:spPr>
+      </p:pic>
     </p:spTree>
     <p:extLst>
       <p:ext uri="{BB962C8B-B14F-4D97-AF65-F5344CB8AC3E}">
-        <p14:creationId xmlns:p14="http://schemas.microsoft.com/office/powerpoint/2010/main" val="777391324"/>
+        <p14:creationId xmlns:p14="http://schemas.microsoft.com/office/powerpoint/2010/main" val="673982672"/>
       </p:ext>
     </p:extLst>
   </p:cSld>
@@ -9884,23 +11965,15 @@
               <a:buNone/>
             </a:pPr>
             <a:r>
-              <a:rPr lang="en-US" sz="2400" b="1" i="1" u="sng" dirty="0">
+              <a:rPr lang="en-US" sz="1800" b="1" i="1" u="sng" dirty="0">
                 <a:latin typeface="Calibri" panose="020F0502020204030204" pitchFamily="34" charset="0"/>
                 <a:ea typeface="Calibri" panose="020F0502020204030204" pitchFamily="34" charset="0"/>
                 <a:cs typeface="Arial" panose="020B0604020202020204" pitchFamily="34" charset="0"/>
               </a:rPr>
-              <a:t>Block </a:t>
-            </a:r>
-            <a:r>
-              <a:rPr lang="en-US" sz="2400" b="1" i="1" u="sng" dirty="0" err="1">
-                <a:latin typeface="Calibri" panose="020F0502020204030204" pitchFamily="34" charset="0"/>
-                <a:ea typeface="Calibri" panose="020F0502020204030204" pitchFamily="34" charset="0"/>
-                <a:cs typeface="Arial" panose="020B0604020202020204" pitchFamily="34" charset="0"/>
-              </a:rPr>
-              <a:t>digram</a:t>
-            </a:r>
-            <a:r>
-              <a:rPr lang="en-US" sz="2400" b="1" i="1" u="sng" dirty="0">
+              <a:t>Hyperparameter used</a:t>
+            </a:r>
+            <a:r>
+              <a:rPr lang="en-US" sz="1800" b="1" i="1" u="sng" dirty="0">
                 <a:effectLst/>
                 <a:latin typeface="Calibri" panose="020F0502020204030204" pitchFamily="34" charset="0"/>
                 <a:ea typeface="Calibri" panose="020F0502020204030204" pitchFamily="34" charset="0"/>
@@ -9908,6 +11981,66 @@
               </a:rPr>
               <a:t>:</a:t>
             </a:r>
+          </a:p>
+          <a:p>
+            <a:pPr marL="0" indent="0">
+              <a:lnSpc>
+                <a:spcPct val="110000"/>
+              </a:lnSpc>
+              <a:buNone/>
+            </a:pPr>
+            <a:r>
+              <a:rPr lang="en-US" sz="1700" dirty="0"/>
+              <a:t>• Optimizer: Adam </a:t>
+            </a:r>
+          </a:p>
+          <a:p>
+            <a:pPr marL="0" indent="0">
+              <a:lnSpc>
+                <a:spcPct val="110000"/>
+              </a:lnSpc>
+              <a:buNone/>
+            </a:pPr>
+            <a:r>
+              <a:rPr lang="en-US" sz="1700" dirty="0"/>
+              <a:t>• Kernel initializer: uniform, </a:t>
+            </a:r>
+            <a:r>
+              <a:rPr lang="en-US" sz="1700" dirty="0" err="1"/>
+              <a:t>he_normal</a:t>
+            </a:r>
+            <a:endParaRPr lang="en-US" sz="1700" dirty="0"/>
+          </a:p>
+          <a:p>
+            <a:pPr marL="0" indent="0">
+              <a:lnSpc>
+                <a:spcPct val="110000"/>
+              </a:lnSpc>
+              <a:buNone/>
+            </a:pPr>
+            <a:r>
+              <a:rPr lang="en-US" sz="1700" dirty="0"/>
+              <a:t> • Activation: </a:t>
+            </a:r>
+            <a:r>
+              <a:rPr lang="en-US" sz="1700" dirty="0" err="1"/>
+              <a:t>Relu,Softmax</a:t>
+            </a:r>
+            <a:endParaRPr lang="en-US" sz="1700" dirty="0"/>
+          </a:p>
+          <a:p>
+            <a:pPr marL="0" indent="0">
+              <a:lnSpc>
+                <a:spcPct val="110000"/>
+              </a:lnSpc>
+              <a:buNone/>
+            </a:pPr>
+            <a:endParaRPr lang="en-US" sz="1700" b="1" i="1" u="sng" dirty="0">
+              <a:effectLst/>
+              <a:latin typeface="Calibri" panose="020F0502020204030204" pitchFamily="34" charset="0"/>
+              <a:ea typeface="Calibri" panose="020F0502020204030204" pitchFamily="34" charset="0"/>
+              <a:cs typeface="Arial" panose="020B0604020202020204" pitchFamily="34" charset="0"/>
+            </a:endParaRPr>
           </a:p>
           <a:p>
             <a:pPr marL="0" indent="0">
@@ -9948,59 +12081,10 @@
           </a:p>
         </p:txBody>
       </p:sp>
-      <p:pic>
-        <p:nvPicPr>
-          <p:cNvPr id="6" name="Picture 5" descr="Diagram&#10;&#10;Description automatically generated">
-            <a:extLst>
-              <a:ext uri="{FF2B5EF4-FFF2-40B4-BE49-F238E27FC236}">
-                <a16:creationId xmlns:a16="http://schemas.microsoft.com/office/drawing/2014/main" id="{FA957C5A-BC84-054D-B869-EE124CB0D3DE}"/>
-              </a:ext>
-            </a:extLst>
-          </p:cNvPr>
-          <p:cNvPicPr>
-            <a:picLocks noChangeAspect="1"/>
-          </p:cNvPicPr>
-          <p:nvPr/>
-        </p:nvPicPr>
-        <p:blipFill>
-          <a:blip r:embed="rId3">
-            <a:extLst>
-              <a:ext uri="{28A0092B-C50C-407E-A947-70E740481C1C}">
-                <a14:useLocalDpi xmlns:a14="http://schemas.microsoft.com/office/drawing/2010/main" val="0"/>
-              </a:ext>
-            </a:extLst>
-          </a:blip>
-          <a:stretch>
-            <a:fillRect/>
-          </a:stretch>
-        </p:blipFill>
-        <p:spPr>
-          <a:xfrm>
-            <a:off x="6153148" y="541243"/>
-            <a:ext cx="3727215" cy="6194613"/>
-          </a:xfrm>
-          <a:prstGeom prst="roundRect">
-            <a:avLst>
-              <a:gd name="adj" fmla="val 8594"/>
-            </a:avLst>
-          </a:prstGeom>
-          <a:solidFill>
-            <a:srgbClr val="FFFFFF">
-              <a:shade val="85000"/>
-            </a:srgbClr>
-          </a:solidFill>
-          <a:ln>
-            <a:noFill/>
-          </a:ln>
-          <a:effectLst>
-            <a:reflection blurRad="12700" stA="38000" endPos="28000" dist="5000" dir="5400000" sy="-100000" algn="bl" rotWithShape="0"/>
-          </a:effectLst>
-        </p:spPr>
-      </p:pic>
     </p:spTree>
     <p:extLst>
       <p:ext uri="{BB962C8B-B14F-4D97-AF65-F5344CB8AC3E}">
-        <p14:creationId xmlns:p14="http://schemas.microsoft.com/office/powerpoint/2010/main" val="673982672"/>
+        <p14:creationId xmlns:p14="http://schemas.microsoft.com/office/powerpoint/2010/main" val="777391324"/>
       </p:ext>
     </p:extLst>
   </p:cSld>
